--- a/工作管理系統PPT鄭紹雄.pptx
+++ b/工作管理系統PPT鄭紹雄.pptx
@@ -5,10 +5,10 @@
     <p:sldMasterId id="2147493455" r:id="rId4"/>
   </p:sldMasterIdLst>
   <p:notesMasterIdLst>
-    <p:notesMasterId r:id="rId29"/>
+    <p:notesMasterId r:id="rId33"/>
   </p:notesMasterIdLst>
   <p:handoutMasterIdLst>
-    <p:handoutMasterId r:id="rId30"/>
+    <p:handoutMasterId r:id="rId34"/>
   </p:handoutMasterIdLst>
   <p:sldIdLst>
     <p:sldId id="260" r:id="rId5"/>
@@ -19,22 +19,26 @@
     <p:sldId id="268" r:id="rId10"/>
     <p:sldId id="267" r:id="rId11"/>
     <p:sldId id="270" r:id="rId12"/>
-    <p:sldId id="271" r:id="rId13"/>
-    <p:sldId id="273" r:id="rId14"/>
-    <p:sldId id="275" r:id="rId15"/>
-    <p:sldId id="276" r:id="rId16"/>
-    <p:sldId id="277" r:id="rId17"/>
-    <p:sldId id="278" r:id="rId18"/>
-    <p:sldId id="279" r:id="rId19"/>
-    <p:sldId id="280" r:id="rId20"/>
-    <p:sldId id="282" r:id="rId21"/>
-    <p:sldId id="261" r:id="rId22"/>
-    <p:sldId id="283" r:id="rId23"/>
-    <p:sldId id="284" r:id="rId24"/>
-    <p:sldId id="286" r:id="rId25"/>
-    <p:sldId id="285" r:id="rId26"/>
-    <p:sldId id="287" r:id="rId27"/>
-    <p:sldId id="288" r:id="rId28"/>
+    <p:sldId id="289" r:id="rId13"/>
+    <p:sldId id="290" r:id="rId14"/>
+    <p:sldId id="271" r:id="rId15"/>
+    <p:sldId id="292" r:id="rId16"/>
+    <p:sldId id="291" r:id="rId17"/>
+    <p:sldId id="273" r:id="rId18"/>
+    <p:sldId id="275" r:id="rId19"/>
+    <p:sldId id="276" r:id="rId20"/>
+    <p:sldId id="277" r:id="rId21"/>
+    <p:sldId id="278" r:id="rId22"/>
+    <p:sldId id="279" r:id="rId23"/>
+    <p:sldId id="280" r:id="rId24"/>
+    <p:sldId id="282" r:id="rId25"/>
+    <p:sldId id="261" r:id="rId26"/>
+    <p:sldId id="283" r:id="rId27"/>
+    <p:sldId id="284" r:id="rId28"/>
+    <p:sldId id="286" r:id="rId29"/>
+    <p:sldId id="285" r:id="rId30"/>
+    <p:sldId id="287" r:id="rId31"/>
+    <p:sldId id="288" r:id="rId32"/>
   </p:sldIdLst>
   <p:sldSz cx="9144000" cy="5143500" type="screen16x9"/>
   <p:notesSz cx="6858000" cy="9144000"/>
@@ -146,7 +150,11 @@
             <p14:sldId id="268"/>
             <p14:sldId id="267"/>
             <p14:sldId id="270"/>
+            <p14:sldId id="289"/>
+            <p14:sldId id="290"/>
             <p14:sldId id="271"/>
+            <p14:sldId id="292"/>
+            <p14:sldId id="291"/>
             <p14:sldId id="273"/>
             <p14:sldId id="275"/>
             <p14:sldId id="276"/>
@@ -266,7 +274,7 @@
           <a:p>
             <a:fld id="{AF8513FE-6645-7E43-BC79-B233CD73BA73}" type="datetimeFigureOut">
               <a:rPr kumimoji="1" lang="zh-CN" altLang="en-US" smtClean="0"/>
-              <a:t>2019/3/19</a:t>
+              <a:t>2019/10/5</a:t>
             </a:fld>
             <a:endParaRPr kumimoji="1" lang="zh-CN" altLang="en-US"/>
           </a:p>
@@ -431,7 +439,7 @@
           <a:p>
             <a:fld id="{F6B7367B-579E-48CE-BA39-2E4BA579D434}" type="datetimeFigureOut">
               <a:rPr lang="zh-CN" altLang="en-US" smtClean="0"/>
-              <a:t>2019/3/19</a:t>
+              <a:t>2019/10/5</a:t>
             </a:fld>
             <a:endParaRPr lang="zh-CN" altLang="en-US"/>
           </a:p>
@@ -1476,6 +1484,1941 @@
         </p:nvSpPr>
         <p:spPr>
           <a:xfrm>
+            <a:off x="563765" y="371260"/>
+            <a:ext cx="2441694" cy="769441"/>
+          </a:xfrm>
+          <a:prstGeom prst="rect">
+            <a:avLst/>
+          </a:prstGeom>
+          <a:noFill/>
+        </p:spPr>
+        <p:txBody>
+          <a:bodyPr wrap="none" rtlCol="0">
+            <a:spAutoFit/>
+          </a:bodyPr>
+          <a:lstStyle/>
+          <a:p>
+            <a:r>
+              <a:rPr lang="zh-TW" altLang="en-US" sz="4400" b="1" dirty="0" smtClean="0">
+                <a:solidFill>
+                  <a:schemeClr val="bg1"/>
+                </a:solidFill>
+                <a:latin typeface="標楷體" panose="03000509000000000000" pitchFamily="65" charset="-120"/>
+                <a:ea typeface="標楷體" panose="03000509000000000000" pitchFamily="65" charset="-120"/>
+              </a:rPr>
+              <a:t>功能</a:t>
+            </a:r>
+            <a:r>
+              <a:rPr lang="en-US" altLang="zh-TW" sz="4400" b="1" dirty="0" smtClean="0">
+                <a:solidFill>
+                  <a:schemeClr val="bg1"/>
+                </a:solidFill>
+                <a:latin typeface="標楷體" panose="03000509000000000000" pitchFamily="65" charset="-120"/>
+                <a:ea typeface="標楷體" panose="03000509000000000000" pitchFamily="65" charset="-120"/>
+              </a:rPr>
+              <a:t>DEMO</a:t>
+            </a:r>
+            <a:endParaRPr lang="zh-TW" altLang="en-US" sz="4400" b="1" dirty="0">
+              <a:latin typeface="標楷體" panose="03000509000000000000" pitchFamily="65" charset="-120"/>
+              <a:ea typeface="標楷體" panose="03000509000000000000" pitchFamily="65" charset="-120"/>
+            </a:endParaRPr>
+          </a:p>
+        </p:txBody>
+      </p:sp>
+      <p:sp>
+        <p:nvSpPr>
+          <p:cNvPr id="4" name="文字方塊 3"/>
+          <p:cNvSpPr txBox="1"/>
+          <p:nvPr/>
+        </p:nvSpPr>
+        <p:spPr>
+          <a:xfrm>
+            <a:off x="0" y="1036197"/>
+            <a:ext cx="7494359" cy="461665"/>
+          </a:xfrm>
+          <a:prstGeom prst="rect">
+            <a:avLst/>
+          </a:prstGeom>
+          <a:noFill/>
+        </p:spPr>
+        <p:txBody>
+          <a:bodyPr wrap="none" rtlCol="0">
+            <a:spAutoFit/>
+          </a:bodyPr>
+          <a:lstStyle/>
+          <a:p>
+            <a:r>
+              <a:rPr lang="en-US" altLang="zh-TW" sz="2400" dirty="0" smtClean="0">
+                <a:solidFill>
+                  <a:schemeClr val="bg1"/>
+                </a:solidFill>
+                <a:latin typeface="Times New Roman" panose="02020603050405020304" pitchFamily="18" charset="0"/>
+                <a:ea typeface="標楷體" panose="03000509000000000000" pitchFamily="65" charset="-120"/>
+                <a:cs typeface="Times New Roman" panose="02020603050405020304" pitchFamily="18" charset="0"/>
+              </a:rPr>
+              <a:t>4.</a:t>
+            </a:r>
+            <a:r>
+              <a:rPr lang="zh-TW" altLang="en-US" sz="2400" dirty="0" smtClean="0">
+                <a:solidFill>
+                  <a:schemeClr val="bg1"/>
+                </a:solidFill>
+                <a:latin typeface="Times New Roman" panose="02020603050405020304" pitchFamily="18" charset="0"/>
+                <a:ea typeface="標楷體" panose="03000509000000000000" pitchFamily="65" charset="-120"/>
+                <a:cs typeface="Times New Roman" panose="02020603050405020304" pitchFamily="18" charset="0"/>
+              </a:rPr>
+              <a:t>資料檢查，新增資料、更新資料、存入資料都會檢查</a:t>
+            </a:r>
+            <a:endParaRPr lang="en-US" altLang="zh-TW" sz="2400" dirty="0" smtClean="0">
+              <a:solidFill>
+                <a:schemeClr val="bg1"/>
+              </a:solidFill>
+              <a:latin typeface="Times New Roman" panose="02020603050405020304" pitchFamily="18" charset="0"/>
+              <a:ea typeface="標楷體" panose="03000509000000000000" pitchFamily="65" charset="-120"/>
+              <a:cs typeface="Times New Roman" panose="02020603050405020304" pitchFamily="18" charset="0"/>
+            </a:endParaRPr>
+          </a:p>
+        </p:txBody>
+      </p:sp>
+      <p:pic>
+        <p:nvPicPr>
+          <p:cNvPr id="9" name="圖片 8"/>
+          <p:cNvPicPr>
+            <a:picLocks noChangeAspect="1"/>
+          </p:cNvPicPr>
+          <p:nvPr/>
+        </p:nvPicPr>
+        <p:blipFill>
+          <a:blip r:embed="rId2">
+            <a:extLst>
+              <a:ext uri="{28A0092B-C50C-407E-A947-70E740481C1C}">
+                <a14:useLocalDpi xmlns:a14="http://schemas.microsoft.com/office/drawing/2010/main" val="0"/>
+              </a:ext>
+            </a:extLst>
+          </a:blip>
+          <a:stretch>
+            <a:fillRect/>
+          </a:stretch>
+        </p:blipFill>
+        <p:spPr>
+          <a:xfrm>
+            <a:off x="844170" y="1714890"/>
+            <a:ext cx="4998720" cy="2324100"/>
+          </a:xfrm>
+          <a:prstGeom prst="rect">
+            <a:avLst/>
+          </a:prstGeom>
+        </p:spPr>
+      </p:pic>
+      <p:pic>
+        <p:nvPicPr>
+          <p:cNvPr id="8" name="圖片 7"/>
+          <p:cNvPicPr>
+            <a:picLocks noChangeAspect="1"/>
+          </p:cNvPicPr>
+          <p:nvPr/>
+        </p:nvPicPr>
+        <p:blipFill>
+          <a:blip r:embed="rId3">
+            <a:extLst>
+              <a:ext uri="{28A0092B-C50C-407E-A947-70E740481C1C}">
+                <a14:useLocalDpi xmlns:a14="http://schemas.microsoft.com/office/drawing/2010/main" val="0"/>
+              </a:ext>
+            </a:extLst>
+          </a:blip>
+          <a:stretch>
+            <a:fillRect/>
+          </a:stretch>
+        </p:blipFill>
+        <p:spPr>
+          <a:xfrm>
+            <a:off x="428303" y="4482897"/>
+            <a:ext cx="7170420" cy="518160"/>
+          </a:xfrm>
+          <a:prstGeom prst="rect">
+            <a:avLst/>
+          </a:prstGeom>
+        </p:spPr>
+      </p:pic>
+    </p:spTree>
+    <p:extLst>
+      <p:ext uri="{BB962C8B-B14F-4D97-AF65-F5344CB8AC3E}">
+        <p14:creationId xmlns:p14="http://schemas.microsoft.com/office/powerpoint/2010/main" val="165750388"/>
+      </p:ext>
+    </p:extLst>
+  </p:cSld>
+  <p:clrMapOvr>
+    <a:masterClrMapping/>
+  </p:clrMapOvr>
+  <p:timing>
+    <p:tnLst>
+      <p:par>
+        <p:cTn id="1" dur="indefinite" restart="never" nodeType="tmRoot">
+          <p:childTnLst>
+            <p:seq concurrent="1" nextAc="seek">
+              <p:cTn id="2" dur="indefinite" nodeType="mainSeq">
+                <p:childTnLst>
+                  <p:par>
+                    <p:cTn id="3" fill="hold">
+                      <p:stCondLst>
+                        <p:cond delay="indefinite"/>
+                      </p:stCondLst>
+                      <p:childTnLst>
+                        <p:par>
+                          <p:cTn id="4" fill="hold">
+                            <p:stCondLst>
+                              <p:cond delay="0"/>
+                            </p:stCondLst>
+                            <p:childTnLst>
+                              <p:par>
+                                <p:cTn id="5" presetID="6" presetClass="entr" presetSubtype="16" fill="hold" nodeType="clickEffect">
+                                  <p:stCondLst>
+                                    <p:cond delay="0"/>
+                                  </p:stCondLst>
+                                  <p:childTnLst>
+                                    <p:set>
+                                      <p:cBhvr>
+                                        <p:cTn id="6" dur="1" fill="hold">
+                                          <p:stCondLst>
+                                            <p:cond delay="0"/>
+                                          </p:stCondLst>
+                                        </p:cTn>
+                                        <p:tgtEl>
+                                          <p:spTgt spid="9"/>
+                                        </p:tgtEl>
+                                        <p:attrNameLst>
+                                          <p:attrName>style.visibility</p:attrName>
+                                        </p:attrNameLst>
+                                      </p:cBhvr>
+                                      <p:to>
+                                        <p:strVal val="visible"/>
+                                      </p:to>
+                                    </p:set>
+                                    <p:animEffect transition="in" filter="circle(in)">
+                                      <p:cBhvr>
+                                        <p:cTn id="7" dur="500"/>
+                                        <p:tgtEl>
+                                          <p:spTgt spid="9"/>
+                                        </p:tgtEl>
+                                      </p:cBhvr>
+                                    </p:animEffect>
+                                  </p:childTnLst>
+                                </p:cTn>
+                              </p:par>
+                            </p:childTnLst>
+                          </p:cTn>
+                        </p:par>
+                      </p:childTnLst>
+                    </p:cTn>
+                  </p:par>
+                  <p:par>
+                    <p:cTn id="8" fill="hold">
+                      <p:stCondLst>
+                        <p:cond delay="indefinite"/>
+                      </p:stCondLst>
+                      <p:childTnLst>
+                        <p:par>
+                          <p:cTn id="9" fill="hold">
+                            <p:stCondLst>
+                              <p:cond delay="0"/>
+                            </p:stCondLst>
+                            <p:childTnLst>
+                              <p:par>
+                                <p:cTn id="10" presetID="2" presetClass="exit" presetSubtype="4" fill="hold" nodeType="clickEffect">
+                                  <p:stCondLst>
+                                    <p:cond delay="0"/>
+                                  </p:stCondLst>
+                                  <p:childTnLst>
+                                    <p:anim calcmode="lin" valueType="num">
+                                      <p:cBhvr additive="base">
+                                        <p:cTn id="11" dur="500"/>
+                                        <p:tgtEl>
+                                          <p:spTgt spid="9"/>
+                                        </p:tgtEl>
+                                        <p:attrNameLst>
+                                          <p:attrName>ppt_x</p:attrName>
+                                        </p:attrNameLst>
+                                      </p:cBhvr>
+                                      <p:tavLst>
+                                        <p:tav tm="0">
+                                          <p:val>
+                                            <p:strVal val="ppt_x"/>
+                                          </p:val>
+                                        </p:tav>
+                                        <p:tav tm="100000">
+                                          <p:val>
+                                            <p:strVal val="ppt_x"/>
+                                          </p:val>
+                                        </p:tav>
+                                      </p:tavLst>
+                                    </p:anim>
+                                    <p:anim calcmode="lin" valueType="num">
+                                      <p:cBhvr additive="base">
+                                        <p:cTn id="12" dur="500"/>
+                                        <p:tgtEl>
+                                          <p:spTgt spid="9"/>
+                                        </p:tgtEl>
+                                        <p:attrNameLst>
+                                          <p:attrName>ppt_y</p:attrName>
+                                        </p:attrNameLst>
+                                      </p:cBhvr>
+                                      <p:tavLst>
+                                        <p:tav tm="0">
+                                          <p:val>
+                                            <p:strVal val="ppt_y"/>
+                                          </p:val>
+                                        </p:tav>
+                                        <p:tav tm="100000">
+                                          <p:val>
+                                            <p:strVal val="1+ppt_h/2"/>
+                                          </p:val>
+                                        </p:tav>
+                                      </p:tavLst>
+                                    </p:anim>
+                                    <p:set>
+                                      <p:cBhvr>
+                                        <p:cTn id="13" dur="1" fill="hold">
+                                          <p:stCondLst>
+                                            <p:cond delay="499"/>
+                                          </p:stCondLst>
+                                        </p:cTn>
+                                        <p:tgtEl>
+                                          <p:spTgt spid="9"/>
+                                        </p:tgtEl>
+                                        <p:attrNameLst>
+                                          <p:attrName>style.visibility</p:attrName>
+                                        </p:attrNameLst>
+                                      </p:cBhvr>
+                                      <p:to>
+                                        <p:strVal val="hidden"/>
+                                      </p:to>
+                                    </p:set>
+                                  </p:childTnLst>
+                                </p:cTn>
+                              </p:par>
+                            </p:childTnLst>
+                          </p:cTn>
+                        </p:par>
+                      </p:childTnLst>
+                    </p:cTn>
+                  </p:par>
+                  <p:par>
+                    <p:cTn id="14" fill="hold">
+                      <p:stCondLst>
+                        <p:cond delay="indefinite"/>
+                      </p:stCondLst>
+                      <p:childTnLst>
+                        <p:par>
+                          <p:cTn id="15" fill="hold">
+                            <p:stCondLst>
+                              <p:cond delay="0"/>
+                            </p:stCondLst>
+                            <p:childTnLst>
+                              <p:par>
+                                <p:cTn id="16" presetID="53" presetClass="entr" presetSubtype="16" fill="hold" nodeType="clickEffect">
+                                  <p:stCondLst>
+                                    <p:cond delay="0"/>
+                                  </p:stCondLst>
+                                  <p:childTnLst>
+                                    <p:set>
+                                      <p:cBhvr>
+                                        <p:cTn id="17" dur="1" fill="hold">
+                                          <p:stCondLst>
+                                            <p:cond delay="0"/>
+                                          </p:stCondLst>
+                                        </p:cTn>
+                                        <p:tgtEl>
+                                          <p:spTgt spid="8"/>
+                                        </p:tgtEl>
+                                        <p:attrNameLst>
+                                          <p:attrName>style.visibility</p:attrName>
+                                        </p:attrNameLst>
+                                      </p:cBhvr>
+                                      <p:to>
+                                        <p:strVal val="visible"/>
+                                      </p:to>
+                                    </p:set>
+                                    <p:anim calcmode="lin" valueType="num">
+                                      <p:cBhvr>
+                                        <p:cTn id="18" dur="500" fill="hold"/>
+                                        <p:tgtEl>
+                                          <p:spTgt spid="8"/>
+                                        </p:tgtEl>
+                                        <p:attrNameLst>
+                                          <p:attrName>ppt_w</p:attrName>
+                                        </p:attrNameLst>
+                                      </p:cBhvr>
+                                      <p:tavLst>
+                                        <p:tav tm="0">
+                                          <p:val>
+                                            <p:fltVal val="0"/>
+                                          </p:val>
+                                        </p:tav>
+                                        <p:tav tm="100000">
+                                          <p:val>
+                                            <p:strVal val="#ppt_w"/>
+                                          </p:val>
+                                        </p:tav>
+                                      </p:tavLst>
+                                    </p:anim>
+                                    <p:anim calcmode="lin" valueType="num">
+                                      <p:cBhvr>
+                                        <p:cTn id="19" dur="500" fill="hold"/>
+                                        <p:tgtEl>
+                                          <p:spTgt spid="8"/>
+                                        </p:tgtEl>
+                                        <p:attrNameLst>
+                                          <p:attrName>ppt_h</p:attrName>
+                                        </p:attrNameLst>
+                                      </p:cBhvr>
+                                      <p:tavLst>
+                                        <p:tav tm="0">
+                                          <p:val>
+                                            <p:fltVal val="0"/>
+                                          </p:val>
+                                        </p:tav>
+                                        <p:tav tm="100000">
+                                          <p:val>
+                                            <p:strVal val="#ppt_h"/>
+                                          </p:val>
+                                        </p:tav>
+                                      </p:tavLst>
+                                    </p:anim>
+                                    <p:animEffect transition="in" filter="fade">
+                                      <p:cBhvr>
+                                        <p:cTn id="20" dur="500"/>
+                                        <p:tgtEl>
+                                          <p:spTgt spid="8"/>
+                                        </p:tgtEl>
+                                      </p:cBhvr>
+                                    </p:animEffect>
+                                  </p:childTnLst>
+                                </p:cTn>
+                              </p:par>
+                            </p:childTnLst>
+                          </p:cTn>
+                        </p:par>
+                      </p:childTnLst>
+                    </p:cTn>
+                  </p:par>
+                  <p:par>
+                    <p:cTn id="21" fill="hold">
+                      <p:stCondLst>
+                        <p:cond delay="indefinite"/>
+                      </p:stCondLst>
+                      <p:childTnLst>
+                        <p:par>
+                          <p:cTn id="22" fill="hold">
+                            <p:stCondLst>
+                              <p:cond delay="0"/>
+                            </p:stCondLst>
+                            <p:childTnLst>
+                              <p:par>
+                                <p:cTn id="23" presetID="2" presetClass="exit" presetSubtype="4" fill="hold" nodeType="clickEffect">
+                                  <p:stCondLst>
+                                    <p:cond delay="0"/>
+                                  </p:stCondLst>
+                                  <p:childTnLst>
+                                    <p:anim calcmode="lin" valueType="num">
+                                      <p:cBhvr additive="base">
+                                        <p:cTn id="24" dur="500"/>
+                                        <p:tgtEl>
+                                          <p:spTgt spid="8"/>
+                                        </p:tgtEl>
+                                        <p:attrNameLst>
+                                          <p:attrName>ppt_x</p:attrName>
+                                        </p:attrNameLst>
+                                      </p:cBhvr>
+                                      <p:tavLst>
+                                        <p:tav tm="0">
+                                          <p:val>
+                                            <p:strVal val="ppt_x"/>
+                                          </p:val>
+                                        </p:tav>
+                                        <p:tav tm="100000">
+                                          <p:val>
+                                            <p:strVal val="ppt_x"/>
+                                          </p:val>
+                                        </p:tav>
+                                      </p:tavLst>
+                                    </p:anim>
+                                    <p:anim calcmode="lin" valueType="num">
+                                      <p:cBhvr additive="base">
+                                        <p:cTn id="25" dur="500"/>
+                                        <p:tgtEl>
+                                          <p:spTgt spid="8"/>
+                                        </p:tgtEl>
+                                        <p:attrNameLst>
+                                          <p:attrName>ppt_y</p:attrName>
+                                        </p:attrNameLst>
+                                      </p:cBhvr>
+                                      <p:tavLst>
+                                        <p:tav tm="0">
+                                          <p:val>
+                                            <p:strVal val="ppt_y"/>
+                                          </p:val>
+                                        </p:tav>
+                                        <p:tav tm="100000">
+                                          <p:val>
+                                            <p:strVal val="1+ppt_h/2"/>
+                                          </p:val>
+                                        </p:tav>
+                                      </p:tavLst>
+                                    </p:anim>
+                                    <p:set>
+                                      <p:cBhvr>
+                                        <p:cTn id="26" dur="1" fill="hold">
+                                          <p:stCondLst>
+                                            <p:cond delay="499"/>
+                                          </p:stCondLst>
+                                        </p:cTn>
+                                        <p:tgtEl>
+                                          <p:spTgt spid="8"/>
+                                        </p:tgtEl>
+                                        <p:attrNameLst>
+                                          <p:attrName>style.visibility</p:attrName>
+                                        </p:attrNameLst>
+                                      </p:cBhvr>
+                                      <p:to>
+                                        <p:strVal val="hidden"/>
+                                      </p:to>
+                                    </p:set>
+                                  </p:childTnLst>
+                                </p:cTn>
+                              </p:par>
+                            </p:childTnLst>
+                          </p:cTn>
+                        </p:par>
+                      </p:childTnLst>
+                    </p:cTn>
+                  </p:par>
+                </p:childTnLst>
+              </p:cTn>
+              <p:prevCondLst>
+                <p:cond evt="onPrev" delay="0">
+                  <p:tgtEl>
+                    <p:sldTgt/>
+                  </p:tgtEl>
+                </p:cond>
+              </p:prevCondLst>
+              <p:nextCondLst>
+                <p:cond evt="onNext" delay="0">
+                  <p:tgtEl>
+                    <p:sldTgt/>
+                  </p:tgtEl>
+                </p:cond>
+              </p:nextCondLst>
+            </p:seq>
+          </p:childTnLst>
+        </p:cTn>
+      </p:par>
+    </p:tnLst>
+  </p:timing>
+</p:sld>
+</file>
+
+<file path=ppt/slides/slide11.xml><?xml version="1.0" encoding="utf-8"?>
+<p:sld xmlns:a="http://schemas.openxmlformats.org/drawingml/2006/main" xmlns:r="http://schemas.openxmlformats.org/officeDocument/2006/relationships" xmlns:p="http://schemas.openxmlformats.org/presentationml/2006/main">
+  <p:cSld>
+    <p:spTree>
+      <p:nvGrpSpPr>
+        <p:cNvPr id="1" name=""/>
+        <p:cNvGrpSpPr/>
+        <p:nvPr/>
+      </p:nvGrpSpPr>
+      <p:grpSpPr>
+        <a:xfrm>
+          <a:off x="0" y="0"/>
+          <a:ext cx="0" cy="0"/>
+          <a:chOff x="0" y="0"/>
+          <a:chExt cx="0" cy="0"/>
+        </a:xfrm>
+      </p:grpSpPr>
+      <p:sp>
+        <p:nvSpPr>
+          <p:cNvPr id="4" name="文字方塊 3"/>
+          <p:cNvSpPr txBox="1"/>
+          <p:nvPr/>
+        </p:nvSpPr>
+        <p:spPr>
+          <a:xfrm>
+            <a:off x="3957119" y="1340563"/>
+            <a:ext cx="5083443" cy="461665"/>
+          </a:xfrm>
+          <a:prstGeom prst="rect">
+            <a:avLst/>
+          </a:prstGeom>
+          <a:noFill/>
+        </p:spPr>
+        <p:txBody>
+          <a:bodyPr wrap="none" rtlCol="0">
+            <a:spAutoFit/>
+          </a:bodyPr>
+          <a:lstStyle/>
+          <a:p>
+            <a:r>
+              <a:rPr lang="en-US" altLang="zh-TW" sz="2400" dirty="0">
+                <a:solidFill>
+                  <a:schemeClr val="bg1"/>
+                </a:solidFill>
+                <a:latin typeface="Times New Roman" panose="02020603050405020304" pitchFamily="18" charset="0"/>
+                <a:ea typeface="標楷體" panose="03000509000000000000" pitchFamily="65" charset="-120"/>
+                <a:cs typeface="Times New Roman" panose="02020603050405020304" pitchFamily="18" charset="0"/>
+              </a:rPr>
+              <a:t>5</a:t>
+            </a:r>
+            <a:r>
+              <a:rPr lang="en-US" altLang="zh-TW" sz="2400" dirty="0" smtClean="0">
+                <a:solidFill>
+                  <a:schemeClr val="bg1"/>
+                </a:solidFill>
+                <a:latin typeface="Times New Roman" panose="02020603050405020304" pitchFamily="18" charset="0"/>
+                <a:ea typeface="標楷體" panose="03000509000000000000" pitchFamily="65" charset="-120"/>
+                <a:cs typeface="Times New Roman" panose="02020603050405020304" pitchFamily="18" charset="0"/>
+              </a:rPr>
+              <a:t>.</a:t>
+            </a:r>
+            <a:r>
+              <a:rPr lang="zh-TW" altLang="en-US" sz="2400" dirty="0" smtClean="0">
+                <a:solidFill>
+                  <a:schemeClr val="bg1"/>
+                </a:solidFill>
+                <a:latin typeface="Times New Roman" panose="02020603050405020304" pitchFamily="18" charset="0"/>
+                <a:ea typeface="標楷體" panose="03000509000000000000" pitchFamily="65" charset="-120"/>
+                <a:cs typeface="Times New Roman" panose="02020603050405020304" pitchFamily="18" charset="0"/>
+              </a:rPr>
+              <a:t>選擇</a:t>
+            </a:r>
+            <a:r>
+              <a:rPr lang="en-US" altLang="zh-TW" sz="2400" dirty="0" smtClean="0">
+                <a:solidFill>
+                  <a:schemeClr val="bg1"/>
+                </a:solidFill>
+                <a:latin typeface="Times New Roman" panose="02020603050405020304" pitchFamily="18" charset="0"/>
+                <a:ea typeface="標楷體" panose="03000509000000000000" pitchFamily="65" charset="-120"/>
+                <a:cs typeface="Times New Roman" panose="02020603050405020304" pitchFamily="18" charset="0"/>
+              </a:rPr>
+              <a:t>(1)</a:t>
+            </a:r>
+            <a:r>
+              <a:rPr lang="zh-TW" altLang="en-US" sz="2400" dirty="0" smtClean="0">
+                <a:solidFill>
+                  <a:schemeClr val="bg1"/>
+                </a:solidFill>
+                <a:latin typeface="Times New Roman" panose="02020603050405020304" pitchFamily="18" charset="0"/>
+                <a:ea typeface="標楷體" panose="03000509000000000000" pitchFamily="65" charset="-120"/>
+                <a:cs typeface="Times New Roman" panose="02020603050405020304" pitchFamily="18" charset="0"/>
+              </a:rPr>
+              <a:t>全部顯示可以顯示全部資料</a:t>
+            </a:r>
+            <a:endParaRPr lang="en-US" altLang="zh-TW" sz="2400" dirty="0" smtClean="0">
+              <a:solidFill>
+                <a:schemeClr val="bg1"/>
+              </a:solidFill>
+              <a:latin typeface="Times New Roman" panose="02020603050405020304" pitchFamily="18" charset="0"/>
+              <a:ea typeface="標楷體" panose="03000509000000000000" pitchFamily="65" charset="-120"/>
+              <a:cs typeface="Times New Roman" panose="02020603050405020304" pitchFamily="18" charset="0"/>
+            </a:endParaRPr>
+          </a:p>
+        </p:txBody>
+      </p:sp>
+      <p:pic>
+        <p:nvPicPr>
+          <p:cNvPr id="5" name="圖片 4"/>
+          <p:cNvPicPr>
+            <a:picLocks noChangeAspect="1"/>
+          </p:cNvPicPr>
+          <p:nvPr/>
+        </p:nvPicPr>
+        <p:blipFill>
+          <a:blip r:embed="rId2">
+            <a:extLst>
+              <a:ext uri="{28A0092B-C50C-407E-A947-70E740481C1C}">
+                <a14:useLocalDpi xmlns:a14="http://schemas.microsoft.com/office/drawing/2010/main" val="0"/>
+              </a:ext>
+            </a:extLst>
+          </a:blip>
+          <a:stretch>
+            <a:fillRect/>
+          </a:stretch>
+        </p:blipFill>
+        <p:spPr>
+          <a:xfrm>
+            <a:off x="237367" y="110836"/>
+            <a:ext cx="3451345" cy="4847008"/>
+          </a:xfrm>
+          <a:prstGeom prst="rect">
+            <a:avLst/>
+          </a:prstGeom>
+        </p:spPr>
+      </p:pic>
+      <p:sp>
+        <p:nvSpPr>
+          <p:cNvPr id="11" name="文字方塊 10"/>
+          <p:cNvSpPr txBox="1"/>
+          <p:nvPr/>
+        </p:nvSpPr>
+        <p:spPr>
+          <a:xfrm>
+            <a:off x="2470323" y="337430"/>
+            <a:ext cx="6391493" cy="769441"/>
+          </a:xfrm>
+          <a:prstGeom prst="rect">
+            <a:avLst/>
+          </a:prstGeom>
+          <a:noFill/>
+        </p:spPr>
+        <p:txBody>
+          <a:bodyPr wrap="none" rtlCol="0">
+            <a:spAutoFit/>
+          </a:bodyPr>
+          <a:lstStyle/>
+          <a:p>
+            <a:r>
+              <a:rPr lang="zh-TW" altLang="en-US" sz="4400" b="1" dirty="0" smtClean="0">
+                <a:solidFill>
+                  <a:schemeClr val="bg1"/>
+                </a:solidFill>
+                <a:latin typeface="標楷體" panose="03000509000000000000" pitchFamily="65" charset="-120"/>
+                <a:ea typeface="標楷體" panose="03000509000000000000" pitchFamily="65" charset="-120"/>
+              </a:rPr>
+              <a:t>功能</a:t>
+            </a:r>
+            <a:r>
+              <a:rPr lang="en-US" altLang="zh-TW" sz="4400" b="1" dirty="0" smtClean="0">
+                <a:solidFill>
+                  <a:schemeClr val="bg1"/>
+                </a:solidFill>
+                <a:latin typeface="標楷體" panose="03000509000000000000" pitchFamily="65" charset="-120"/>
+                <a:ea typeface="標楷體" panose="03000509000000000000" pitchFamily="65" charset="-120"/>
+              </a:rPr>
+              <a:t>DEMO(</a:t>
+            </a:r>
+            <a:r>
+              <a:rPr lang="zh-TW" altLang="en-US" sz="4400" b="1" dirty="0" smtClean="0">
+                <a:solidFill>
+                  <a:schemeClr val="bg1"/>
+                </a:solidFill>
+                <a:latin typeface="標楷體" panose="03000509000000000000" pitchFamily="65" charset="-120"/>
+                <a:ea typeface="標楷體" panose="03000509000000000000" pitchFamily="65" charset="-120"/>
+              </a:rPr>
+              <a:t>全部</a:t>
+            </a:r>
+            <a:r>
+              <a:rPr lang="zh-TW" altLang="en-US" sz="4400" b="1" dirty="0" smtClean="0">
+                <a:solidFill>
+                  <a:schemeClr val="bg1"/>
+                </a:solidFill>
+                <a:latin typeface="標楷體" panose="03000509000000000000" pitchFamily="65" charset="-120"/>
+                <a:ea typeface="標楷體" panose="03000509000000000000" pitchFamily="65" charset="-120"/>
+              </a:rPr>
+              <a:t>顯示部分</a:t>
+            </a:r>
+            <a:r>
+              <a:rPr lang="en-US" altLang="zh-TW" sz="4400" b="1" dirty="0" smtClean="0">
+                <a:solidFill>
+                  <a:schemeClr val="bg1"/>
+                </a:solidFill>
+                <a:latin typeface="標楷體" panose="03000509000000000000" pitchFamily="65" charset="-120"/>
+                <a:ea typeface="標楷體" panose="03000509000000000000" pitchFamily="65" charset="-120"/>
+              </a:rPr>
+              <a:t>)</a:t>
+            </a:r>
+            <a:endParaRPr lang="zh-TW" altLang="en-US" sz="4400" b="1" dirty="0">
+              <a:latin typeface="標楷體" panose="03000509000000000000" pitchFamily="65" charset="-120"/>
+              <a:ea typeface="標楷體" panose="03000509000000000000" pitchFamily="65" charset="-120"/>
+            </a:endParaRPr>
+          </a:p>
+        </p:txBody>
+      </p:sp>
+    </p:spTree>
+    <p:extLst>
+      <p:ext uri="{BB962C8B-B14F-4D97-AF65-F5344CB8AC3E}">
+        <p14:creationId xmlns:p14="http://schemas.microsoft.com/office/powerpoint/2010/main" val="2540999012"/>
+      </p:ext>
+    </p:extLst>
+  </p:cSld>
+  <p:clrMapOvr>
+    <a:masterClrMapping/>
+  </p:clrMapOvr>
+  <p:timing>
+    <p:tnLst>
+      <p:par>
+        <p:cTn id="1" dur="indefinite" restart="never" nodeType="tmRoot">
+          <p:childTnLst>
+            <p:seq concurrent="1" nextAc="seek">
+              <p:cTn id="2" dur="indefinite" nodeType="mainSeq">
+                <p:childTnLst>
+                  <p:par>
+                    <p:cTn id="3" fill="hold">
+                      <p:stCondLst>
+                        <p:cond delay="indefinite"/>
+                      </p:stCondLst>
+                      <p:childTnLst>
+                        <p:par>
+                          <p:cTn id="4" fill="hold">
+                            <p:stCondLst>
+                              <p:cond delay="0"/>
+                            </p:stCondLst>
+                            <p:childTnLst>
+                              <p:par>
+                                <p:cTn id="5" presetID="1" presetClass="entr" presetSubtype="0" fill="hold" nodeType="clickEffect">
+                                  <p:stCondLst>
+                                    <p:cond delay="0"/>
+                                  </p:stCondLst>
+                                  <p:childTnLst>
+                                    <p:set>
+                                      <p:cBhvr>
+                                        <p:cTn id="6" dur="1" fill="hold">
+                                          <p:stCondLst>
+                                            <p:cond delay="0"/>
+                                          </p:stCondLst>
+                                        </p:cTn>
+                                        <p:tgtEl>
+                                          <p:spTgt spid="5"/>
+                                        </p:tgtEl>
+                                        <p:attrNameLst>
+                                          <p:attrName>style.visibility</p:attrName>
+                                        </p:attrNameLst>
+                                      </p:cBhvr>
+                                      <p:to>
+                                        <p:strVal val="visible"/>
+                                      </p:to>
+                                    </p:set>
+                                  </p:childTnLst>
+                                </p:cTn>
+                              </p:par>
+                              <p:par>
+                                <p:cTn id="7" presetID="1" presetClass="entr" presetSubtype="0" fill="hold" grpId="0" nodeType="withEffect">
+                                  <p:stCondLst>
+                                    <p:cond delay="0"/>
+                                  </p:stCondLst>
+                                  <p:childTnLst>
+                                    <p:set>
+                                      <p:cBhvr>
+                                        <p:cTn id="8" dur="1" fill="hold">
+                                          <p:stCondLst>
+                                            <p:cond delay="0"/>
+                                          </p:stCondLst>
+                                        </p:cTn>
+                                        <p:tgtEl>
+                                          <p:spTgt spid="4"/>
+                                        </p:tgtEl>
+                                        <p:attrNameLst>
+                                          <p:attrName>style.visibility</p:attrName>
+                                        </p:attrNameLst>
+                                      </p:cBhvr>
+                                      <p:to>
+                                        <p:strVal val="visible"/>
+                                      </p:to>
+                                    </p:set>
+                                  </p:childTnLst>
+                                </p:cTn>
+                              </p:par>
+                            </p:childTnLst>
+                          </p:cTn>
+                        </p:par>
+                      </p:childTnLst>
+                    </p:cTn>
+                  </p:par>
+                  <p:par>
+                    <p:cTn id="9" fill="hold">
+                      <p:stCondLst>
+                        <p:cond delay="indefinite"/>
+                      </p:stCondLst>
+                      <p:childTnLst>
+                        <p:par>
+                          <p:cTn id="10" fill="hold">
+                            <p:stCondLst>
+                              <p:cond delay="0"/>
+                            </p:stCondLst>
+                            <p:childTnLst>
+                              <p:par>
+                                <p:cTn id="11" presetID="1" presetClass="exit" presetSubtype="0" fill="hold" nodeType="clickEffect">
+                                  <p:stCondLst>
+                                    <p:cond delay="0"/>
+                                  </p:stCondLst>
+                                  <p:childTnLst>
+                                    <p:set>
+                                      <p:cBhvr>
+                                        <p:cTn id="12" dur="1" fill="hold">
+                                          <p:stCondLst>
+                                            <p:cond delay="0"/>
+                                          </p:stCondLst>
+                                        </p:cTn>
+                                        <p:tgtEl>
+                                          <p:spTgt spid="5"/>
+                                        </p:tgtEl>
+                                        <p:attrNameLst>
+                                          <p:attrName>style.visibility</p:attrName>
+                                        </p:attrNameLst>
+                                      </p:cBhvr>
+                                      <p:to>
+                                        <p:strVal val="hidden"/>
+                                      </p:to>
+                                    </p:set>
+                                  </p:childTnLst>
+                                </p:cTn>
+                              </p:par>
+                              <p:par>
+                                <p:cTn id="13" presetID="1" presetClass="exit" presetSubtype="0" fill="hold" grpId="1" nodeType="withEffect">
+                                  <p:stCondLst>
+                                    <p:cond delay="0"/>
+                                  </p:stCondLst>
+                                  <p:childTnLst>
+                                    <p:set>
+                                      <p:cBhvr>
+                                        <p:cTn id="14" dur="1" fill="hold">
+                                          <p:stCondLst>
+                                            <p:cond delay="0"/>
+                                          </p:stCondLst>
+                                        </p:cTn>
+                                        <p:tgtEl>
+                                          <p:spTgt spid="4"/>
+                                        </p:tgtEl>
+                                        <p:attrNameLst>
+                                          <p:attrName>style.visibility</p:attrName>
+                                        </p:attrNameLst>
+                                      </p:cBhvr>
+                                      <p:to>
+                                        <p:strVal val="hidden"/>
+                                      </p:to>
+                                    </p:set>
+                                  </p:childTnLst>
+                                </p:cTn>
+                              </p:par>
+                              <p:par>
+                                <p:cTn id="15" presetID="1" presetClass="exit" presetSubtype="0" fill="hold" grpId="0" nodeType="withEffect">
+                                  <p:stCondLst>
+                                    <p:cond delay="0"/>
+                                  </p:stCondLst>
+                                  <p:childTnLst>
+                                    <p:set>
+                                      <p:cBhvr>
+                                        <p:cTn id="16" dur="1" fill="hold">
+                                          <p:stCondLst>
+                                            <p:cond delay="0"/>
+                                          </p:stCondLst>
+                                        </p:cTn>
+                                        <p:tgtEl>
+                                          <p:spTgt spid="11"/>
+                                        </p:tgtEl>
+                                        <p:attrNameLst>
+                                          <p:attrName>style.visibility</p:attrName>
+                                        </p:attrNameLst>
+                                      </p:cBhvr>
+                                      <p:to>
+                                        <p:strVal val="hidden"/>
+                                      </p:to>
+                                    </p:set>
+                                  </p:childTnLst>
+                                </p:cTn>
+                              </p:par>
+                            </p:childTnLst>
+                          </p:cTn>
+                        </p:par>
+                      </p:childTnLst>
+                    </p:cTn>
+                  </p:par>
+                  <p:par>
+                    <p:cTn id="17" fill="hold">
+                      <p:stCondLst>
+                        <p:cond delay="indefinite"/>
+                      </p:stCondLst>
+                      <p:childTnLst>
+                        <p:par>
+                          <p:cTn id="18" fill="hold">
+                            <p:stCondLst>
+                              <p:cond delay="0"/>
+                            </p:stCondLst>
+                            <p:childTnLst>
+                              <p:par>
+                                <p:cTn id="19" presetID="1" presetClass="entr" presetSubtype="0" fill="hold" grpId="1" nodeType="clickEffect">
+                                  <p:stCondLst>
+                                    <p:cond delay="0"/>
+                                  </p:stCondLst>
+                                  <p:childTnLst>
+                                    <p:set>
+                                      <p:cBhvr>
+                                        <p:cTn id="20" dur="1" fill="hold">
+                                          <p:stCondLst>
+                                            <p:cond delay="0"/>
+                                          </p:stCondLst>
+                                        </p:cTn>
+                                        <p:tgtEl>
+                                          <p:spTgt spid="11"/>
+                                        </p:tgtEl>
+                                        <p:attrNameLst>
+                                          <p:attrName>style.visibility</p:attrName>
+                                        </p:attrNameLst>
+                                      </p:cBhvr>
+                                      <p:to>
+                                        <p:strVal val="visible"/>
+                                      </p:to>
+                                    </p:set>
+                                  </p:childTnLst>
+                                </p:cTn>
+                              </p:par>
+                            </p:childTnLst>
+                          </p:cTn>
+                        </p:par>
+                      </p:childTnLst>
+                    </p:cTn>
+                  </p:par>
+                </p:childTnLst>
+              </p:cTn>
+              <p:prevCondLst>
+                <p:cond evt="onPrev" delay="0">
+                  <p:tgtEl>
+                    <p:sldTgt/>
+                  </p:tgtEl>
+                </p:cond>
+              </p:prevCondLst>
+              <p:nextCondLst>
+                <p:cond evt="onNext" delay="0">
+                  <p:tgtEl>
+                    <p:sldTgt/>
+                  </p:tgtEl>
+                </p:cond>
+              </p:nextCondLst>
+            </p:seq>
+          </p:childTnLst>
+        </p:cTn>
+      </p:par>
+    </p:tnLst>
+    <p:bldLst>
+      <p:bldP spid="4" grpId="0"/>
+      <p:bldP spid="4" grpId="1"/>
+      <p:bldP spid="11" grpId="0"/>
+      <p:bldP spid="11" grpId="1"/>
+    </p:bldLst>
+  </p:timing>
+</p:sld>
+</file>
+
+<file path=ppt/slides/slide12.xml><?xml version="1.0" encoding="utf-8"?>
+<p:sld xmlns:a="http://schemas.openxmlformats.org/drawingml/2006/main" xmlns:r="http://schemas.openxmlformats.org/officeDocument/2006/relationships" xmlns:p="http://schemas.openxmlformats.org/presentationml/2006/main">
+  <p:cSld>
+    <p:spTree>
+      <p:nvGrpSpPr>
+        <p:cNvPr id="1" name=""/>
+        <p:cNvGrpSpPr/>
+        <p:nvPr/>
+      </p:nvGrpSpPr>
+      <p:grpSpPr>
+        <a:xfrm>
+          <a:off x="0" y="0"/>
+          <a:ext cx="0" cy="0"/>
+          <a:chOff x="0" y="0"/>
+          <a:chExt cx="0" cy="0"/>
+        </a:xfrm>
+      </p:grpSpPr>
+      <p:sp>
+        <p:nvSpPr>
+          <p:cNvPr id="2" name="文字方塊 1"/>
+          <p:cNvSpPr txBox="1"/>
+          <p:nvPr/>
+        </p:nvSpPr>
+        <p:spPr>
+          <a:xfrm>
+            <a:off x="124286" y="376533"/>
+            <a:ext cx="6391493" cy="769441"/>
+          </a:xfrm>
+          <a:prstGeom prst="rect">
+            <a:avLst/>
+          </a:prstGeom>
+          <a:noFill/>
+        </p:spPr>
+        <p:txBody>
+          <a:bodyPr wrap="none" rtlCol="0">
+            <a:spAutoFit/>
+          </a:bodyPr>
+          <a:lstStyle/>
+          <a:p>
+            <a:r>
+              <a:rPr lang="zh-TW" altLang="en-US" sz="4400" b="1" dirty="0" smtClean="0">
+                <a:solidFill>
+                  <a:schemeClr val="bg1"/>
+                </a:solidFill>
+                <a:latin typeface="標楷體" panose="03000509000000000000" pitchFamily="65" charset="-120"/>
+                <a:ea typeface="標楷體" panose="03000509000000000000" pitchFamily="65" charset="-120"/>
+              </a:rPr>
+              <a:t>功能</a:t>
+            </a:r>
+            <a:r>
+              <a:rPr lang="en-US" altLang="zh-TW" sz="4400" b="1" dirty="0" smtClean="0">
+                <a:solidFill>
+                  <a:schemeClr val="bg1"/>
+                </a:solidFill>
+                <a:latin typeface="標楷體" panose="03000509000000000000" pitchFamily="65" charset="-120"/>
+                <a:ea typeface="標楷體" panose="03000509000000000000" pitchFamily="65" charset="-120"/>
+              </a:rPr>
+              <a:t>DEMO(</a:t>
+            </a:r>
+            <a:r>
+              <a:rPr lang="zh-TW" altLang="en-US" sz="4400" b="1" dirty="0" smtClean="0">
+                <a:solidFill>
+                  <a:schemeClr val="bg1"/>
+                </a:solidFill>
+                <a:latin typeface="標楷體" panose="03000509000000000000" pitchFamily="65" charset="-120"/>
+                <a:ea typeface="標楷體" panose="03000509000000000000" pitchFamily="65" charset="-120"/>
+              </a:rPr>
+              <a:t>全部</a:t>
+            </a:r>
+            <a:r>
+              <a:rPr lang="zh-TW" altLang="en-US" sz="4400" b="1" dirty="0" smtClean="0">
+                <a:solidFill>
+                  <a:schemeClr val="bg1"/>
+                </a:solidFill>
+                <a:latin typeface="標楷體" panose="03000509000000000000" pitchFamily="65" charset="-120"/>
+                <a:ea typeface="標楷體" panose="03000509000000000000" pitchFamily="65" charset="-120"/>
+              </a:rPr>
+              <a:t>顯示部分</a:t>
+            </a:r>
+            <a:r>
+              <a:rPr lang="en-US" altLang="zh-TW" sz="4400" b="1" dirty="0" smtClean="0">
+                <a:solidFill>
+                  <a:schemeClr val="bg1"/>
+                </a:solidFill>
+                <a:latin typeface="標楷體" panose="03000509000000000000" pitchFamily="65" charset="-120"/>
+                <a:ea typeface="標楷體" panose="03000509000000000000" pitchFamily="65" charset="-120"/>
+              </a:rPr>
+              <a:t>)</a:t>
+            </a:r>
+            <a:endParaRPr lang="zh-TW" altLang="en-US" sz="4400" b="1" dirty="0">
+              <a:latin typeface="標楷體" panose="03000509000000000000" pitchFamily="65" charset="-120"/>
+              <a:ea typeface="標楷體" panose="03000509000000000000" pitchFamily="65" charset="-120"/>
+            </a:endParaRPr>
+          </a:p>
+        </p:txBody>
+      </p:sp>
+      <p:pic>
+        <p:nvPicPr>
+          <p:cNvPr id="9" name="圖片 8"/>
+          <p:cNvPicPr>
+            <a:picLocks noChangeAspect="1"/>
+          </p:cNvPicPr>
+          <p:nvPr/>
+        </p:nvPicPr>
+        <p:blipFill>
+          <a:blip r:embed="rId2">
+            <a:extLst>
+              <a:ext uri="{28A0092B-C50C-407E-A947-70E740481C1C}">
+                <a14:useLocalDpi xmlns:a14="http://schemas.microsoft.com/office/drawing/2010/main" val="0"/>
+              </a:ext>
+            </a:extLst>
+          </a:blip>
+          <a:stretch>
+            <a:fillRect/>
+          </a:stretch>
+        </p:blipFill>
+        <p:spPr>
+          <a:xfrm>
+            <a:off x="1062181" y="1706072"/>
+            <a:ext cx="5006340" cy="1684020"/>
+          </a:xfrm>
+          <a:prstGeom prst="rect">
+            <a:avLst/>
+          </a:prstGeom>
+        </p:spPr>
+      </p:pic>
+      <p:sp>
+        <p:nvSpPr>
+          <p:cNvPr id="10" name="文字方塊 9"/>
+          <p:cNvSpPr txBox="1"/>
+          <p:nvPr/>
+        </p:nvSpPr>
+        <p:spPr>
+          <a:xfrm>
+            <a:off x="1880425" y="3582027"/>
+            <a:ext cx="4493538" cy="830997"/>
+          </a:xfrm>
+          <a:prstGeom prst="rect">
+            <a:avLst/>
+          </a:prstGeom>
+          <a:noFill/>
+        </p:spPr>
+        <p:txBody>
+          <a:bodyPr wrap="none" rtlCol="0">
+            <a:spAutoFit/>
+          </a:bodyPr>
+          <a:lstStyle/>
+          <a:p>
+            <a:r>
+              <a:rPr lang="en-US" altLang="zh-TW" sz="2400" dirty="0" smtClean="0">
+                <a:solidFill>
+                  <a:schemeClr val="bg1"/>
+                </a:solidFill>
+                <a:latin typeface="Times New Roman" panose="02020603050405020304" pitchFamily="18" charset="0"/>
+                <a:ea typeface="標楷體" panose="03000509000000000000" pitchFamily="65" charset="-120"/>
+                <a:cs typeface="Times New Roman" panose="02020603050405020304" pitchFamily="18" charset="0"/>
+              </a:rPr>
+              <a:t>6.</a:t>
+            </a:r>
+            <a:r>
+              <a:rPr lang="zh-TW" altLang="en-US" sz="2400" dirty="0" smtClean="0">
+                <a:solidFill>
+                  <a:schemeClr val="bg1"/>
+                </a:solidFill>
+                <a:latin typeface="Times New Roman" panose="02020603050405020304" pitchFamily="18" charset="0"/>
+                <a:ea typeface="標楷體" panose="03000509000000000000" pitchFamily="65" charset="-120"/>
+                <a:cs typeface="Times New Roman" panose="02020603050405020304" pitchFamily="18" charset="0"/>
+              </a:rPr>
+              <a:t>可以依照任意條件進行排序，</a:t>
+            </a:r>
+            <a:endParaRPr lang="en-US" altLang="zh-TW" sz="2400" dirty="0" smtClean="0">
+              <a:solidFill>
+                <a:schemeClr val="bg1"/>
+              </a:solidFill>
+              <a:latin typeface="Times New Roman" panose="02020603050405020304" pitchFamily="18" charset="0"/>
+              <a:ea typeface="標楷體" panose="03000509000000000000" pitchFamily="65" charset="-120"/>
+              <a:cs typeface="Times New Roman" panose="02020603050405020304" pitchFamily="18" charset="0"/>
+            </a:endParaRPr>
+          </a:p>
+          <a:p>
+            <a:r>
+              <a:rPr lang="zh-TW" altLang="en-US" sz="2400" dirty="0" smtClean="0">
+                <a:solidFill>
+                  <a:schemeClr val="bg1"/>
+                </a:solidFill>
+                <a:latin typeface="Times New Roman" panose="02020603050405020304" pitchFamily="18" charset="0"/>
+                <a:ea typeface="標楷體" panose="03000509000000000000" pitchFamily="65" charset="-120"/>
+                <a:cs typeface="Times New Roman" panose="02020603050405020304" pitchFamily="18" charset="0"/>
+              </a:rPr>
+              <a:t>預設是由小到大，管理者可以</a:t>
+            </a:r>
+            <a:r>
+              <a:rPr lang="zh-TW" altLang="en-US" sz="2400" dirty="0">
+                <a:solidFill>
+                  <a:schemeClr val="bg1"/>
+                </a:solidFill>
+                <a:latin typeface="Times New Roman" panose="02020603050405020304" pitchFamily="18" charset="0"/>
+                <a:ea typeface="標楷體" panose="03000509000000000000" pitchFamily="65" charset="-120"/>
+                <a:cs typeface="Times New Roman" panose="02020603050405020304" pitchFamily="18" charset="0"/>
+              </a:rPr>
+              <a:t>調</a:t>
+            </a:r>
+            <a:endParaRPr lang="en-US" altLang="zh-TW" sz="2400" dirty="0" smtClean="0">
+              <a:solidFill>
+                <a:schemeClr val="bg1"/>
+              </a:solidFill>
+              <a:latin typeface="Times New Roman" panose="02020603050405020304" pitchFamily="18" charset="0"/>
+              <a:ea typeface="標楷體" panose="03000509000000000000" pitchFamily="65" charset="-120"/>
+              <a:cs typeface="Times New Roman" panose="02020603050405020304" pitchFamily="18" charset="0"/>
+            </a:endParaRPr>
+          </a:p>
+        </p:txBody>
+      </p:sp>
+    </p:spTree>
+    <p:extLst>
+      <p:ext uri="{BB962C8B-B14F-4D97-AF65-F5344CB8AC3E}">
+        <p14:creationId xmlns:p14="http://schemas.microsoft.com/office/powerpoint/2010/main" val="3057818653"/>
+      </p:ext>
+    </p:extLst>
+  </p:cSld>
+  <p:clrMapOvr>
+    <a:masterClrMapping/>
+  </p:clrMapOvr>
+  <p:timing>
+    <p:tnLst>
+      <p:par>
+        <p:cTn id="1" dur="indefinite" restart="never" nodeType="tmRoot">
+          <p:childTnLst>
+            <p:seq concurrent="1" nextAc="seek">
+              <p:cTn id="2" dur="indefinite" nodeType="mainSeq">
+                <p:childTnLst>
+                  <p:par>
+                    <p:cTn id="3" fill="hold">
+                      <p:stCondLst>
+                        <p:cond delay="indefinite"/>
+                        <p:cond evt="onBegin" delay="0">
+                          <p:tn val="2"/>
+                        </p:cond>
+                      </p:stCondLst>
+                      <p:childTnLst>
+                        <p:par>
+                          <p:cTn id="4" fill="hold">
+                            <p:stCondLst>
+                              <p:cond delay="0"/>
+                            </p:stCondLst>
+                            <p:childTnLst>
+                              <p:par>
+                                <p:cTn id="5" presetID="1" presetClass="exit" presetSubtype="0" fill="hold" grpId="0" nodeType="withEffect">
+                                  <p:stCondLst>
+                                    <p:cond delay="0"/>
+                                  </p:stCondLst>
+                                  <p:childTnLst>
+                                    <p:set>
+                                      <p:cBhvr>
+                                        <p:cTn id="6" dur="1" fill="hold">
+                                          <p:stCondLst>
+                                            <p:cond delay="0"/>
+                                          </p:stCondLst>
+                                        </p:cTn>
+                                        <p:tgtEl>
+                                          <p:spTgt spid="2"/>
+                                        </p:tgtEl>
+                                        <p:attrNameLst>
+                                          <p:attrName>style.visibility</p:attrName>
+                                        </p:attrNameLst>
+                                      </p:cBhvr>
+                                      <p:to>
+                                        <p:strVal val="hidden"/>
+                                      </p:to>
+                                    </p:set>
+                                  </p:childTnLst>
+                                </p:cTn>
+                              </p:par>
+                            </p:childTnLst>
+                          </p:cTn>
+                        </p:par>
+                      </p:childTnLst>
+                    </p:cTn>
+                  </p:par>
+                  <p:par>
+                    <p:cTn id="7" fill="hold">
+                      <p:stCondLst>
+                        <p:cond delay="indefinite"/>
+                      </p:stCondLst>
+                      <p:childTnLst>
+                        <p:par>
+                          <p:cTn id="8" fill="hold">
+                            <p:stCondLst>
+                              <p:cond delay="0"/>
+                            </p:stCondLst>
+                            <p:childTnLst>
+                              <p:par>
+                                <p:cTn id="9" presetID="1" presetClass="entr" presetSubtype="0" fill="hold" grpId="1" nodeType="clickEffect">
+                                  <p:stCondLst>
+                                    <p:cond delay="0"/>
+                                  </p:stCondLst>
+                                  <p:childTnLst>
+                                    <p:set>
+                                      <p:cBhvr>
+                                        <p:cTn id="10" dur="1" fill="hold">
+                                          <p:stCondLst>
+                                            <p:cond delay="0"/>
+                                          </p:stCondLst>
+                                        </p:cTn>
+                                        <p:tgtEl>
+                                          <p:spTgt spid="2"/>
+                                        </p:tgtEl>
+                                        <p:attrNameLst>
+                                          <p:attrName>style.visibility</p:attrName>
+                                        </p:attrNameLst>
+                                      </p:cBhvr>
+                                      <p:to>
+                                        <p:strVal val="visible"/>
+                                      </p:to>
+                                    </p:set>
+                                  </p:childTnLst>
+                                </p:cTn>
+                              </p:par>
+                              <p:par>
+                                <p:cTn id="11" presetID="1" presetClass="entr" presetSubtype="0" fill="hold" nodeType="withEffect">
+                                  <p:stCondLst>
+                                    <p:cond delay="0"/>
+                                  </p:stCondLst>
+                                  <p:childTnLst>
+                                    <p:set>
+                                      <p:cBhvr>
+                                        <p:cTn id="12" dur="1" fill="hold">
+                                          <p:stCondLst>
+                                            <p:cond delay="0"/>
+                                          </p:stCondLst>
+                                        </p:cTn>
+                                        <p:tgtEl>
+                                          <p:spTgt spid="9"/>
+                                        </p:tgtEl>
+                                        <p:attrNameLst>
+                                          <p:attrName>style.visibility</p:attrName>
+                                        </p:attrNameLst>
+                                      </p:cBhvr>
+                                      <p:to>
+                                        <p:strVal val="visible"/>
+                                      </p:to>
+                                    </p:set>
+                                  </p:childTnLst>
+                                </p:cTn>
+                              </p:par>
+                              <p:par>
+                                <p:cTn id="13" presetID="1" presetClass="entr" presetSubtype="0" fill="hold" grpId="0" nodeType="withEffect">
+                                  <p:stCondLst>
+                                    <p:cond delay="0"/>
+                                  </p:stCondLst>
+                                  <p:childTnLst>
+                                    <p:set>
+                                      <p:cBhvr>
+                                        <p:cTn id="14" dur="1" fill="hold">
+                                          <p:stCondLst>
+                                            <p:cond delay="0"/>
+                                          </p:stCondLst>
+                                        </p:cTn>
+                                        <p:tgtEl>
+                                          <p:spTgt spid="10"/>
+                                        </p:tgtEl>
+                                        <p:attrNameLst>
+                                          <p:attrName>style.visibility</p:attrName>
+                                        </p:attrNameLst>
+                                      </p:cBhvr>
+                                      <p:to>
+                                        <p:strVal val="visible"/>
+                                      </p:to>
+                                    </p:set>
+                                  </p:childTnLst>
+                                </p:cTn>
+                              </p:par>
+                            </p:childTnLst>
+                          </p:cTn>
+                        </p:par>
+                      </p:childTnLst>
+                    </p:cTn>
+                  </p:par>
+                  <p:par>
+                    <p:cTn id="15" fill="hold">
+                      <p:stCondLst>
+                        <p:cond delay="indefinite"/>
+                      </p:stCondLst>
+                      <p:childTnLst>
+                        <p:par>
+                          <p:cTn id="16" fill="hold">
+                            <p:stCondLst>
+                              <p:cond delay="0"/>
+                            </p:stCondLst>
+                            <p:childTnLst>
+                              <p:par>
+                                <p:cTn id="17" presetID="1" presetClass="exit" presetSubtype="0" fill="hold" nodeType="clickEffect">
+                                  <p:stCondLst>
+                                    <p:cond delay="0"/>
+                                  </p:stCondLst>
+                                  <p:childTnLst>
+                                    <p:set>
+                                      <p:cBhvr>
+                                        <p:cTn id="18" dur="1" fill="hold">
+                                          <p:stCondLst>
+                                            <p:cond delay="0"/>
+                                          </p:stCondLst>
+                                        </p:cTn>
+                                        <p:tgtEl>
+                                          <p:spTgt spid="9"/>
+                                        </p:tgtEl>
+                                        <p:attrNameLst>
+                                          <p:attrName>style.visibility</p:attrName>
+                                        </p:attrNameLst>
+                                      </p:cBhvr>
+                                      <p:to>
+                                        <p:strVal val="hidden"/>
+                                      </p:to>
+                                    </p:set>
+                                  </p:childTnLst>
+                                </p:cTn>
+                              </p:par>
+                              <p:par>
+                                <p:cTn id="19" presetID="1" presetClass="exit" presetSubtype="0" fill="hold" grpId="1" nodeType="withEffect">
+                                  <p:stCondLst>
+                                    <p:cond delay="0"/>
+                                  </p:stCondLst>
+                                  <p:childTnLst>
+                                    <p:set>
+                                      <p:cBhvr>
+                                        <p:cTn id="20" dur="1" fill="hold">
+                                          <p:stCondLst>
+                                            <p:cond delay="0"/>
+                                          </p:stCondLst>
+                                        </p:cTn>
+                                        <p:tgtEl>
+                                          <p:spTgt spid="10"/>
+                                        </p:tgtEl>
+                                        <p:attrNameLst>
+                                          <p:attrName>style.visibility</p:attrName>
+                                        </p:attrNameLst>
+                                      </p:cBhvr>
+                                      <p:to>
+                                        <p:strVal val="hidden"/>
+                                      </p:to>
+                                    </p:set>
+                                  </p:childTnLst>
+                                </p:cTn>
+                              </p:par>
+                            </p:childTnLst>
+                          </p:cTn>
+                        </p:par>
+                      </p:childTnLst>
+                    </p:cTn>
+                  </p:par>
+                </p:childTnLst>
+              </p:cTn>
+              <p:prevCondLst>
+                <p:cond evt="onPrev" delay="0">
+                  <p:tgtEl>
+                    <p:sldTgt/>
+                  </p:tgtEl>
+                </p:cond>
+              </p:prevCondLst>
+              <p:nextCondLst>
+                <p:cond evt="onNext" delay="0">
+                  <p:tgtEl>
+                    <p:sldTgt/>
+                  </p:tgtEl>
+                </p:cond>
+              </p:nextCondLst>
+            </p:seq>
+          </p:childTnLst>
+        </p:cTn>
+      </p:par>
+    </p:tnLst>
+    <p:bldLst>
+      <p:bldP spid="2" grpId="0"/>
+      <p:bldP spid="2" grpId="1"/>
+      <p:bldP spid="10" grpId="0"/>
+      <p:bldP spid="10" grpId="1"/>
+    </p:bldLst>
+  </p:timing>
+</p:sld>
+</file>
+
+<file path=ppt/slides/slide13.xml><?xml version="1.0" encoding="utf-8"?>
+<p:sld xmlns:a="http://schemas.openxmlformats.org/drawingml/2006/main" xmlns:r="http://schemas.openxmlformats.org/officeDocument/2006/relationships" xmlns:p="http://schemas.openxmlformats.org/presentationml/2006/main">
+  <p:cSld>
+    <p:spTree>
+      <p:nvGrpSpPr>
+        <p:cNvPr id="1" name=""/>
+        <p:cNvGrpSpPr/>
+        <p:nvPr/>
+      </p:nvGrpSpPr>
+      <p:grpSpPr>
+        <a:xfrm>
+          <a:off x="0" y="0"/>
+          <a:ext cx="0" cy="0"/>
+          <a:chOff x="0" y="0"/>
+          <a:chExt cx="0" cy="0"/>
+        </a:xfrm>
+      </p:grpSpPr>
+      <p:sp>
+        <p:nvSpPr>
+          <p:cNvPr id="2" name="文字方塊 1"/>
+          <p:cNvSpPr txBox="1"/>
+          <p:nvPr/>
+        </p:nvSpPr>
+        <p:spPr>
+          <a:xfrm>
+            <a:off x="124286" y="376533"/>
+            <a:ext cx="6391493" cy="769441"/>
+          </a:xfrm>
+          <a:prstGeom prst="rect">
+            <a:avLst/>
+          </a:prstGeom>
+          <a:noFill/>
+        </p:spPr>
+        <p:txBody>
+          <a:bodyPr wrap="none" rtlCol="0">
+            <a:spAutoFit/>
+          </a:bodyPr>
+          <a:lstStyle/>
+          <a:p>
+            <a:r>
+              <a:rPr lang="zh-TW" altLang="en-US" sz="4400" b="1" dirty="0" smtClean="0">
+                <a:solidFill>
+                  <a:schemeClr val="bg1"/>
+                </a:solidFill>
+                <a:latin typeface="標楷體" panose="03000509000000000000" pitchFamily="65" charset="-120"/>
+                <a:ea typeface="標楷體" panose="03000509000000000000" pitchFamily="65" charset="-120"/>
+              </a:rPr>
+              <a:t>功能</a:t>
+            </a:r>
+            <a:r>
+              <a:rPr lang="en-US" altLang="zh-TW" sz="4400" b="1" dirty="0" smtClean="0">
+                <a:solidFill>
+                  <a:schemeClr val="bg1"/>
+                </a:solidFill>
+                <a:latin typeface="標楷體" panose="03000509000000000000" pitchFamily="65" charset="-120"/>
+                <a:ea typeface="標楷體" panose="03000509000000000000" pitchFamily="65" charset="-120"/>
+              </a:rPr>
+              <a:t>DEMO(</a:t>
+            </a:r>
+            <a:r>
+              <a:rPr lang="zh-TW" altLang="en-US" sz="4400" b="1" dirty="0" smtClean="0">
+                <a:solidFill>
+                  <a:schemeClr val="bg1"/>
+                </a:solidFill>
+                <a:latin typeface="標楷體" panose="03000509000000000000" pitchFamily="65" charset="-120"/>
+                <a:ea typeface="標楷體" panose="03000509000000000000" pitchFamily="65" charset="-120"/>
+              </a:rPr>
+              <a:t>全部顯示部分</a:t>
+            </a:r>
+            <a:r>
+              <a:rPr lang="en-US" altLang="zh-TW" sz="4400" b="1" dirty="0" smtClean="0">
+                <a:solidFill>
+                  <a:schemeClr val="bg1"/>
+                </a:solidFill>
+                <a:latin typeface="標楷體" panose="03000509000000000000" pitchFamily="65" charset="-120"/>
+                <a:ea typeface="標楷體" panose="03000509000000000000" pitchFamily="65" charset="-120"/>
+              </a:rPr>
+              <a:t>)</a:t>
+            </a:r>
+            <a:endParaRPr lang="zh-TW" altLang="en-US" sz="4400" b="1" dirty="0">
+              <a:latin typeface="標楷體" panose="03000509000000000000" pitchFamily="65" charset="-120"/>
+              <a:ea typeface="標楷體" panose="03000509000000000000" pitchFamily="65" charset="-120"/>
+            </a:endParaRPr>
+          </a:p>
+        </p:txBody>
+      </p:sp>
+      <p:pic>
+        <p:nvPicPr>
+          <p:cNvPr id="6" name="圖片 5"/>
+          <p:cNvPicPr>
+            <a:picLocks noChangeAspect="1"/>
+          </p:cNvPicPr>
+          <p:nvPr/>
+        </p:nvPicPr>
+        <p:blipFill>
+          <a:blip r:embed="rId2">
+            <a:extLst>
+              <a:ext uri="{28A0092B-C50C-407E-A947-70E740481C1C}">
+                <a14:useLocalDpi xmlns:a14="http://schemas.microsoft.com/office/drawing/2010/main" val="0"/>
+              </a:ext>
+            </a:extLst>
+          </a:blip>
+          <a:stretch>
+            <a:fillRect/>
+          </a:stretch>
+        </p:blipFill>
+        <p:spPr>
+          <a:xfrm>
+            <a:off x="304322" y="1930389"/>
+            <a:ext cx="5882640" cy="2103120"/>
+          </a:xfrm>
+          <a:prstGeom prst="rect">
+            <a:avLst/>
+          </a:prstGeom>
+        </p:spPr>
+      </p:pic>
+      <p:sp>
+        <p:nvSpPr>
+          <p:cNvPr id="12" name="文字方塊 11"/>
+          <p:cNvSpPr txBox="1"/>
+          <p:nvPr/>
+        </p:nvSpPr>
+        <p:spPr>
+          <a:xfrm>
+            <a:off x="855995" y="1145974"/>
+            <a:ext cx="4408732" cy="461665"/>
+          </a:xfrm>
+          <a:prstGeom prst="rect">
+            <a:avLst/>
+          </a:prstGeom>
+          <a:noFill/>
+        </p:spPr>
+        <p:txBody>
+          <a:bodyPr wrap="square" rtlCol="0">
+            <a:spAutoFit/>
+          </a:bodyPr>
+          <a:lstStyle/>
+          <a:p>
+            <a:r>
+              <a:rPr lang="en-US" altLang="zh-TW" sz="2400" dirty="0" smtClean="0">
+                <a:solidFill>
+                  <a:schemeClr val="bg1"/>
+                </a:solidFill>
+                <a:latin typeface="Times New Roman" panose="02020603050405020304" pitchFamily="18" charset="0"/>
+                <a:ea typeface="標楷體" panose="03000509000000000000" pitchFamily="65" charset="-120"/>
+                <a:cs typeface="Times New Roman" panose="02020603050405020304" pitchFamily="18" charset="0"/>
+              </a:rPr>
+              <a:t>7.</a:t>
+            </a:r>
+            <a:r>
+              <a:rPr lang="zh-TW" altLang="en-US" sz="2400" dirty="0" smtClean="0">
+                <a:solidFill>
+                  <a:schemeClr val="bg1"/>
+                </a:solidFill>
+                <a:latin typeface="Times New Roman" panose="02020603050405020304" pitchFamily="18" charset="0"/>
+                <a:ea typeface="標楷體" panose="03000509000000000000" pitchFamily="65" charset="-120"/>
+                <a:cs typeface="Times New Roman" panose="02020603050405020304" pitchFamily="18" charset="0"/>
+              </a:rPr>
+              <a:t>分頁數顯示</a:t>
+            </a:r>
+            <a:r>
+              <a:rPr lang="zh-TW" altLang="en-US" sz="2400" dirty="0" smtClean="0">
+                <a:solidFill>
+                  <a:schemeClr val="bg1"/>
+                </a:solidFill>
+                <a:latin typeface="Times New Roman" panose="02020603050405020304" pitchFamily="18" charset="0"/>
+                <a:ea typeface="標楷體" panose="03000509000000000000" pitchFamily="65" charset="-120"/>
+                <a:cs typeface="Times New Roman" panose="02020603050405020304" pitchFamily="18" charset="0"/>
+              </a:rPr>
+              <a:t>，使用</a:t>
+            </a:r>
+            <a:r>
+              <a:rPr lang="en-US" altLang="zh-TW" sz="2400" dirty="0" smtClean="0">
+                <a:solidFill>
+                  <a:schemeClr val="bg1"/>
+                </a:solidFill>
+                <a:latin typeface="Times New Roman" panose="02020603050405020304" pitchFamily="18" charset="0"/>
+                <a:ea typeface="標楷體" panose="03000509000000000000" pitchFamily="65" charset="-120"/>
+                <a:cs typeface="Times New Roman" panose="02020603050405020304" pitchFamily="18" charset="0"/>
+              </a:rPr>
+              <a:t>try</a:t>
+            </a:r>
+            <a:r>
+              <a:rPr lang="zh-TW" altLang="en-US" sz="2400" dirty="0">
+                <a:solidFill>
+                  <a:schemeClr val="bg1"/>
+                </a:solidFill>
+                <a:latin typeface="Times New Roman" panose="02020603050405020304" pitchFamily="18" charset="0"/>
+                <a:ea typeface="標楷體" panose="03000509000000000000" pitchFamily="65" charset="-120"/>
+                <a:cs typeface="Times New Roman" panose="02020603050405020304" pitchFamily="18" charset="0"/>
+              </a:rPr>
+              <a:t>技巧</a:t>
+            </a:r>
+            <a:endParaRPr lang="en-US" altLang="zh-TW" sz="2400" dirty="0" smtClean="0">
+              <a:solidFill>
+                <a:schemeClr val="bg1"/>
+              </a:solidFill>
+              <a:latin typeface="Times New Roman" panose="02020603050405020304" pitchFamily="18" charset="0"/>
+              <a:ea typeface="標楷體" panose="03000509000000000000" pitchFamily="65" charset="-120"/>
+              <a:cs typeface="Times New Roman" panose="02020603050405020304" pitchFamily="18" charset="0"/>
+            </a:endParaRPr>
+          </a:p>
+        </p:txBody>
+      </p:sp>
+    </p:spTree>
+    <p:extLst>
+      <p:ext uri="{BB962C8B-B14F-4D97-AF65-F5344CB8AC3E}">
+        <p14:creationId xmlns:p14="http://schemas.microsoft.com/office/powerpoint/2010/main" val="675324541"/>
+      </p:ext>
+    </p:extLst>
+  </p:cSld>
+  <p:clrMapOvr>
+    <a:masterClrMapping/>
+  </p:clrMapOvr>
+  <p:timing>
+    <p:tnLst>
+      <p:par>
+        <p:cTn id="1" dur="indefinite" restart="never" nodeType="tmRoot">
+          <p:childTnLst>
+            <p:seq concurrent="1" nextAc="seek">
+              <p:cTn id="2" dur="indefinite" nodeType="mainSeq">
+                <p:childTnLst>
+                  <p:par>
+                    <p:cTn id="3" fill="hold">
+                      <p:stCondLst>
+                        <p:cond delay="indefinite"/>
+                        <p:cond evt="onBegin" delay="0">
+                          <p:tn val="2"/>
+                        </p:cond>
+                      </p:stCondLst>
+                      <p:childTnLst>
+                        <p:par>
+                          <p:cTn id="4" fill="hold">
+                            <p:stCondLst>
+                              <p:cond delay="0"/>
+                            </p:stCondLst>
+                            <p:childTnLst>
+                              <p:par>
+                                <p:cTn id="5" presetID="1" presetClass="exit" presetSubtype="0" fill="hold" grpId="0" nodeType="withEffect">
+                                  <p:stCondLst>
+                                    <p:cond delay="0"/>
+                                  </p:stCondLst>
+                                  <p:childTnLst>
+                                    <p:set>
+                                      <p:cBhvr>
+                                        <p:cTn id="6" dur="1" fill="hold">
+                                          <p:stCondLst>
+                                            <p:cond delay="0"/>
+                                          </p:stCondLst>
+                                        </p:cTn>
+                                        <p:tgtEl>
+                                          <p:spTgt spid="2"/>
+                                        </p:tgtEl>
+                                        <p:attrNameLst>
+                                          <p:attrName>style.visibility</p:attrName>
+                                        </p:attrNameLst>
+                                      </p:cBhvr>
+                                      <p:to>
+                                        <p:strVal val="hidden"/>
+                                      </p:to>
+                                    </p:set>
+                                  </p:childTnLst>
+                                </p:cTn>
+                              </p:par>
+                            </p:childTnLst>
+                          </p:cTn>
+                        </p:par>
+                      </p:childTnLst>
+                    </p:cTn>
+                  </p:par>
+                  <p:par>
+                    <p:cTn id="7" fill="hold">
+                      <p:stCondLst>
+                        <p:cond delay="indefinite"/>
+                      </p:stCondLst>
+                      <p:childTnLst>
+                        <p:par>
+                          <p:cTn id="8" fill="hold">
+                            <p:stCondLst>
+                              <p:cond delay="0"/>
+                            </p:stCondLst>
+                            <p:childTnLst>
+                              <p:par>
+                                <p:cTn id="9" presetID="1" presetClass="entr" presetSubtype="0" fill="hold" grpId="1" nodeType="clickEffect">
+                                  <p:stCondLst>
+                                    <p:cond delay="0"/>
+                                  </p:stCondLst>
+                                  <p:childTnLst>
+                                    <p:set>
+                                      <p:cBhvr>
+                                        <p:cTn id="10" dur="1" fill="hold">
+                                          <p:stCondLst>
+                                            <p:cond delay="0"/>
+                                          </p:stCondLst>
+                                        </p:cTn>
+                                        <p:tgtEl>
+                                          <p:spTgt spid="2"/>
+                                        </p:tgtEl>
+                                        <p:attrNameLst>
+                                          <p:attrName>style.visibility</p:attrName>
+                                        </p:attrNameLst>
+                                      </p:cBhvr>
+                                      <p:to>
+                                        <p:strVal val="visible"/>
+                                      </p:to>
+                                    </p:set>
+                                  </p:childTnLst>
+                                </p:cTn>
+                              </p:par>
+                            </p:childTnLst>
+                          </p:cTn>
+                        </p:par>
+                      </p:childTnLst>
+                    </p:cTn>
+                  </p:par>
+                  <p:par>
+                    <p:cTn id="11" fill="hold">
+                      <p:stCondLst>
+                        <p:cond delay="indefinite"/>
+                      </p:stCondLst>
+                      <p:childTnLst>
+                        <p:par>
+                          <p:cTn id="12" fill="hold">
+                            <p:stCondLst>
+                              <p:cond delay="0"/>
+                            </p:stCondLst>
+                            <p:childTnLst>
+                              <p:par>
+                                <p:cTn id="13" presetID="1" presetClass="entr" presetSubtype="0" fill="hold" nodeType="clickEffect">
+                                  <p:stCondLst>
+                                    <p:cond delay="0"/>
+                                  </p:stCondLst>
+                                  <p:childTnLst>
+                                    <p:set>
+                                      <p:cBhvr>
+                                        <p:cTn id="14" dur="1" fill="hold">
+                                          <p:stCondLst>
+                                            <p:cond delay="0"/>
+                                          </p:stCondLst>
+                                        </p:cTn>
+                                        <p:tgtEl>
+                                          <p:spTgt spid="6"/>
+                                        </p:tgtEl>
+                                        <p:attrNameLst>
+                                          <p:attrName>style.visibility</p:attrName>
+                                        </p:attrNameLst>
+                                      </p:cBhvr>
+                                      <p:to>
+                                        <p:strVal val="visible"/>
+                                      </p:to>
+                                    </p:set>
+                                  </p:childTnLst>
+                                </p:cTn>
+                              </p:par>
+                              <p:par>
+                                <p:cTn id="15" presetID="1" presetClass="entr" presetSubtype="0" fill="hold" grpId="0" nodeType="withEffect">
+                                  <p:stCondLst>
+                                    <p:cond delay="0"/>
+                                  </p:stCondLst>
+                                  <p:childTnLst>
+                                    <p:set>
+                                      <p:cBhvr>
+                                        <p:cTn id="16" dur="1" fill="hold">
+                                          <p:stCondLst>
+                                            <p:cond delay="0"/>
+                                          </p:stCondLst>
+                                        </p:cTn>
+                                        <p:tgtEl>
+                                          <p:spTgt spid="12"/>
+                                        </p:tgtEl>
+                                        <p:attrNameLst>
+                                          <p:attrName>style.visibility</p:attrName>
+                                        </p:attrNameLst>
+                                      </p:cBhvr>
+                                      <p:to>
+                                        <p:strVal val="visible"/>
+                                      </p:to>
+                                    </p:set>
+                                  </p:childTnLst>
+                                </p:cTn>
+                              </p:par>
+                            </p:childTnLst>
+                          </p:cTn>
+                        </p:par>
+                      </p:childTnLst>
+                    </p:cTn>
+                  </p:par>
+                </p:childTnLst>
+              </p:cTn>
+              <p:prevCondLst>
+                <p:cond evt="onPrev" delay="0">
+                  <p:tgtEl>
+                    <p:sldTgt/>
+                  </p:tgtEl>
+                </p:cond>
+              </p:prevCondLst>
+              <p:nextCondLst>
+                <p:cond evt="onNext" delay="0">
+                  <p:tgtEl>
+                    <p:sldTgt/>
+                  </p:tgtEl>
+                </p:cond>
+              </p:nextCondLst>
+            </p:seq>
+          </p:childTnLst>
+        </p:cTn>
+      </p:par>
+    </p:tnLst>
+    <p:bldLst>
+      <p:bldP spid="2" grpId="0"/>
+      <p:bldP spid="2" grpId="1"/>
+      <p:bldP spid="12" grpId="0"/>
+    </p:bldLst>
+  </p:timing>
+</p:sld>
+</file>
+
+<file path=ppt/slides/slide14.xml><?xml version="1.0" encoding="utf-8"?>
+<p:sld xmlns:a="http://schemas.openxmlformats.org/drawingml/2006/main" xmlns:r="http://schemas.openxmlformats.org/officeDocument/2006/relationships" xmlns:p="http://schemas.openxmlformats.org/presentationml/2006/main">
+  <p:cSld>
+    <p:spTree>
+      <p:nvGrpSpPr>
+        <p:cNvPr id="1" name=""/>
+        <p:cNvGrpSpPr/>
+        <p:nvPr/>
+      </p:nvGrpSpPr>
+      <p:grpSpPr>
+        <a:xfrm>
+          <a:off x="0" y="0"/>
+          <a:ext cx="0" cy="0"/>
+          <a:chOff x="0" y="0"/>
+          <a:chExt cx="0" cy="0"/>
+        </a:xfrm>
+      </p:grpSpPr>
+      <p:sp>
+        <p:nvSpPr>
+          <p:cNvPr id="2" name="文字方塊 1"/>
+          <p:cNvSpPr txBox="1"/>
+          <p:nvPr/>
+        </p:nvSpPr>
+        <p:spPr>
+          <a:xfrm>
             <a:off x="80832" y="378320"/>
             <a:ext cx="9212778" cy="769441"/>
           </a:xfrm>
@@ -2014,7 +3957,7 @@
 </p:sld>
 </file>
 
-<file path=ppt/slides/slide11.xml><?xml version="1.0" encoding="utf-8"?>
+<file path=ppt/slides/slide15.xml><?xml version="1.0" encoding="utf-8"?>
 <p:sld xmlns:a="http://schemas.openxmlformats.org/drawingml/2006/main" xmlns:r="http://schemas.openxmlformats.org/officeDocument/2006/relationships" xmlns:p="http://schemas.openxmlformats.org/presentationml/2006/main">
   <p:cSld>
     <p:spTree>
@@ -2040,7 +3983,7 @@
         <p:spPr>
           <a:xfrm>
             <a:off x="563765" y="371260"/>
-            <a:ext cx="5262979" cy="769441"/>
+            <a:ext cx="2441694" cy="769441"/>
           </a:xfrm>
           <a:prstGeom prst="rect">
             <a:avLst/>
@@ -2061,7 +4004,7 @@
                 <a:latin typeface="標楷體" panose="03000509000000000000" pitchFamily="65" charset="-120"/>
                 <a:ea typeface="標楷體" panose="03000509000000000000" pitchFamily="65" charset="-120"/>
               </a:rPr>
-              <a:t>老師要求的功能</a:t>
+              <a:t>功能</a:t>
             </a:r>
             <a:r>
               <a:rPr lang="en-US" altLang="zh-TW" sz="4400" b="1" dirty="0" smtClean="0">
@@ -2185,7 +4128,7 @@
 </p:sld>
 </file>
 
-<file path=ppt/slides/slide12.xml><?xml version="1.0" encoding="utf-8"?>
+<file path=ppt/slides/slide16.xml><?xml version="1.0" encoding="utf-8"?>
 <p:sld xmlns:a="http://schemas.openxmlformats.org/drawingml/2006/main" xmlns:r="http://schemas.openxmlformats.org/officeDocument/2006/relationships" xmlns:p="http://schemas.openxmlformats.org/presentationml/2006/main">
   <p:cSld>
     <p:spTree>
@@ -2211,7 +4154,7 @@
         <p:spPr>
           <a:xfrm>
             <a:off x="563765" y="371260"/>
-            <a:ext cx="5262979" cy="769441"/>
+            <a:ext cx="2441694" cy="769441"/>
           </a:xfrm>
           <a:prstGeom prst="rect">
             <a:avLst/>
@@ -2232,7 +4175,7 @@
                 <a:latin typeface="標楷體" panose="03000509000000000000" pitchFamily="65" charset="-120"/>
                 <a:ea typeface="標楷體" panose="03000509000000000000" pitchFamily="65" charset="-120"/>
               </a:rPr>
-              <a:t>老師要求的功能</a:t>
+              <a:t>功能</a:t>
             </a:r>
             <a:r>
               <a:rPr lang="en-US" altLang="zh-TW" sz="4400" b="1" dirty="0" smtClean="0">
@@ -2474,7 +4417,7 @@
 </p:sld>
 </file>
 
-<file path=ppt/slides/slide13.xml><?xml version="1.0" encoding="utf-8"?>
+<file path=ppt/slides/slide17.xml><?xml version="1.0" encoding="utf-8"?>
 <p:sld xmlns:a="http://schemas.openxmlformats.org/drawingml/2006/main" xmlns:r="http://schemas.openxmlformats.org/officeDocument/2006/relationships" xmlns:p="http://schemas.openxmlformats.org/presentationml/2006/main">
   <p:cSld>
     <p:spTree>
@@ -2500,7 +4443,7 @@
         <p:spPr>
           <a:xfrm>
             <a:off x="563765" y="371260"/>
-            <a:ext cx="5262979" cy="769441"/>
+            <a:ext cx="2441694" cy="769441"/>
           </a:xfrm>
           <a:prstGeom prst="rect">
             <a:avLst/>
@@ -2521,7 +4464,7 @@
                 <a:latin typeface="標楷體" panose="03000509000000000000" pitchFamily="65" charset="-120"/>
                 <a:ea typeface="標楷體" panose="03000509000000000000" pitchFamily="65" charset="-120"/>
               </a:rPr>
-              <a:t>老師要求的功能</a:t>
+              <a:t>功能</a:t>
             </a:r>
             <a:r>
               <a:rPr lang="en-US" altLang="zh-TW" sz="4400" b="1" dirty="0" smtClean="0">
@@ -2755,7 +4698,7 @@
 </p:sld>
 </file>
 
-<file path=ppt/slides/slide14.xml><?xml version="1.0" encoding="utf-8"?>
+<file path=ppt/slides/slide18.xml><?xml version="1.0" encoding="utf-8"?>
 <p:sld xmlns:a="http://schemas.openxmlformats.org/drawingml/2006/main" xmlns:r="http://schemas.openxmlformats.org/officeDocument/2006/relationships" xmlns:p="http://schemas.openxmlformats.org/presentationml/2006/main">
   <p:cSld>
     <p:spTree>
@@ -2781,7 +4724,7 @@
         <p:spPr>
           <a:xfrm>
             <a:off x="563765" y="371260"/>
-            <a:ext cx="5262979" cy="769441"/>
+            <a:ext cx="2441694" cy="769441"/>
           </a:xfrm>
           <a:prstGeom prst="rect">
             <a:avLst/>
@@ -2802,7 +4745,7 @@
                 <a:latin typeface="標楷體" panose="03000509000000000000" pitchFamily="65" charset="-120"/>
                 <a:ea typeface="標楷體" panose="03000509000000000000" pitchFamily="65" charset="-120"/>
               </a:rPr>
-              <a:t>老師要求的功能</a:t>
+              <a:t>功能</a:t>
             </a:r>
             <a:r>
               <a:rPr lang="en-US" altLang="zh-TW" sz="4400" b="1" dirty="0" smtClean="0">
@@ -3049,7 +4992,7 @@
 </p:sld>
 </file>
 
-<file path=ppt/slides/slide15.xml><?xml version="1.0" encoding="utf-8"?>
+<file path=ppt/slides/slide19.xml><?xml version="1.0" encoding="utf-8"?>
 <p:sld xmlns:a="http://schemas.openxmlformats.org/drawingml/2006/main" xmlns:r="http://schemas.openxmlformats.org/officeDocument/2006/relationships" xmlns:p="http://schemas.openxmlformats.org/presentationml/2006/main">
   <p:cSld>
     <p:spTree>
@@ -3075,7 +5018,7 @@
         <p:spPr>
           <a:xfrm>
             <a:off x="563765" y="371260"/>
-            <a:ext cx="5262979" cy="769441"/>
+            <a:ext cx="2441694" cy="769441"/>
           </a:xfrm>
           <a:prstGeom prst="rect">
             <a:avLst/>
@@ -3096,7 +5039,7 @@
                 <a:latin typeface="標楷體" panose="03000509000000000000" pitchFamily="65" charset="-120"/>
                 <a:ea typeface="標楷體" panose="03000509000000000000" pitchFamily="65" charset="-120"/>
               </a:rPr>
-              <a:t>老師要求的功能</a:t>
+              <a:t>功能</a:t>
             </a:r>
             <a:r>
               <a:rPr lang="en-US" altLang="zh-TW" sz="4400" b="1" dirty="0" smtClean="0">
@@ -3219,7 +5162,207 @@
 </p:sld>
 </file>
 
-<file path=ppt/slides/slide16.xml><?xml version="1.0" encoding="utf-8"?>
+<file path=ppt/slides/slide2.xml><?xml version="1.0" encoding="utf-8"?>
+<p:sld xmlns:a="http://schemas.openxmlformats.org/drawingml/2006/main" xmlns:r="http://schemas.openxmlformats.org/officeDocument/2006/relationships" xmlns:p="http://schemas.openxmlformats.org/presentationml/2006/main">
+  <p:cSld>
+    <p:spTree>
+      <p:nvGrpSpPr>
+        <p:cNvPr id="1" name=""/>
+        <p:cNvGrpSpPr/>
+        <p:nvPr/>
+      </p:nvGrpSpPr>
+      <p:grpSpPr>
+        <a:xfrm>
+          <a:off x="0" y="0"/>
+          <a:ext cx="0" cy="0"/>
+          <a:chOff x="0" y="0"/>
+          <a:chExt cx="0" cy="0"/>
+        </a:xfrm>
+      </p:grpSpPr>
+      <p:sp>
+        <p:nvSpPr>
+          <p:cNvPr id="2" name="文字方塊 1"/>
+          <p:cNvSpPr txBox="1"/>
+          <p:nvPr/>
+        </p:nvSpPr>
+        <p:spPr>
+          <a:xfrm>
+            <a:off x="739524" y="608191"/>
+            <a:ext cx="6732337" cy="3108543"/>
+          </a:xfrm>
+          <a:prstGeom prst="rect">
+            <a:avLst/>
+          </a:prstGeom>
+          <a:noFill/>
+        </p:spPr>
+        <p:txBody>
+          <a:bodyPr wrap="square" rtlCol="0">
+            <a:spAutoFit/>
+          </a:bodyPr>
+          <a:lstStyle/>
+          <a:p>
+            <a:r>
+              <a:rPr lang="zh-TW" altLang="en-US" sz="4400" b="1" dirty="0" smtClean="0">
+                <a:solidFill>
+                  <a:schemeClr val="bg1"/>
+                </a:solidFill>
+                <a:latin typeface="Times New Roman" panose="02020603050405020304" pitchFamily="18" charset="0"/>
+                <a:ea typeface="標楷體" panose="03000509000000000000" pitchFamily="65" charset="-120"/>
+                <a:cs typeface="Times New Roman" panose="02020603050405020304" pitchFamily="18" charset="0"/>
+              </a:rPr>
+              <a:t>目錄</a:t>
+            </a:r>
+            <a:endParaRPr lang="en-US" altLang="zh-TW" sz="4400" b="1" dirty="0" smtClean="0">
+              <a:solidFill>
+                <a:schemeClr val="bg1"/>
+              </a:solidFill>
+              <a:latin typeface="Times New Roman" panose="02020603050405020304" pitchFamily="18" charset="0"/>
+              <a:ea typeface="標楷體" panose="03000509000000000000" pitchFamily="65" charset="-120"/>
+              <a:cs typeface="Times New Roman" panose="02020603050405020304" pitchFamily="18" charset="0"/>
+            </a:endParaRPr>
+          </a:p>
+          <a:p>
+            <a:r>
+              <a:rPr lang="en-US" altLang="zh-TW" sz="3600" dirty="0" smtClean="0">
+                <a:solidFill>
+                  <a:schemeClr val="bg1"/>
+                </a:solidFill>
+                <a:latin typeface="Times New Roman" panose="02020603050405020304" pitchFamily="18" charset="0"/>
+                <a:ea typeface="標楷體" panose="03000509000000000000" pitchFamily="65" charset="-120"/>
+                <a:cs typeface="Times New Roman" panose="02020603050405020304" pitchFamily="18" charset="0"/>
+              </a:rPr>
+              <a:t>1.</a:t>
+            </a:r>
+            <a:r>
+              <a:rPr lang="zh-TW" altLang="en-US" sz="3600" dirty="0" smtClean="0">
+                <a:solidFill>
+                  <a:schemeClr val="bg1"/>
+                </a:solidFill>
+                <a:latin typeface="Times New Roman" panose="02020603050405020304" pitchFamily="18" charset="0"/>
+                <a:ea typeface="標楷體" panose="03000509000000000000" pitchFamily="65" charset="-120"/>
+                <a:cs typeface="Times New Roman" panose="02020603050405020304" pitchFamily="18" charset="0"/>
+              </a:rPr>
+              <a:t>介紹軟體</a:t>
+            </a:r>
+            <a:endParaRPr lang="en-US" altLang="zh-TW" sz="3600" dirty="0" smtClean="0">
+              <a:solidFill>
+                <a:schemeClr val="bg1"/>
+              </a:solidFill>
+              <a:latin typeface="Times New Roman" panose="02020603050405020304" pitchFamily="18" charset="0"/>
+              <a:ea typeface="標楷體" panose="03000509000000000000" pitchFamily="65" charset="-120"/>
+              <a:cs typeface="Times New Roman" panose="02020603050405020304" pitchFamily="18" charset="0"/>
+            </a:endParaRPr>
+          </a:p>
+          <a:p>
+            <a:r>
+              <a:rPr lang="en-US" altLang="zh-TW" sz="3600" dirty="0" smtClean="0">
+                <a:solidFill>
+                  <a:schemeClr val="bg1"/>
+                </a:solidFill>
+                <a:latin typeface="Times New Roman" panose="02020603050405020304" pitchFamily="18" charset="0"/>
+                <a:ea typeface="標楷體" panose="03000509000000000000" pitchFamily="65" charset="-120"/>
+                <a:cs typeface="Times New Roman" panose="02020603050405020304" pitchFamily="18" charset="0"/>
+              </a:rPr>
+              <a:t>2</a:t>
+            </a:r>
+            <a:r>
+              <a:rPr lang="en-US" altLang="zh-TW" sz="3600" dirty="0" smtClean="0">
+                <a:solidFill>
+                  <a:schemeClr val="bg1"/>
+                </a:solidFill>
+                <a:latin typeface="Times New Roman" panose="02020603050405020304" pitchFamily="18" charset="0"/>
+                <a:ea typeface="標楷體" panose="03000509000000000000" pitchFamily="65" charset="-120"/>
+                <a:cs typeface="Times New Roman" panose="02020603050405020304" pitchFamily="18" charset="0"/>
+              </a:rPr>
+              <a:t>.</a:t>
+            </a:r>
+            <a:r>
+              <a:rPr lang="zh-TW" altLang="en-US" sz="3600" dirty="0" smtClean="0">
+                <a:solidFill>
+                  <a:schemeClr val="bg1"/>
+                </a:solidFill>
+                <a:latin typeface="Times New Roman" panose="02020603050405020304" pitchFamily="18" charset="0"/>
+                <a:ea typeface="標楷體" panose="03000509000000000000" pitchFamily="65" charset="-120"/>
+                <a:cs typeface="Times New Roman" panose="02020603050405020304" pitchFamily="18" charset="0"/>
+              </a:rPr>
+              <a:t>功能</a:t>
+            </a:r>
+            <a:r>
+              <a:rPr lang="en-US" altLang="zh-TW" sz="3600" dirty="0" smtClean="0">
+                <a:solidFill>
+                  <a:schemeClr val="bg1"/>
+                </a:solidFill>
+                <a:latin typeface="Times New Roman" panose="02020603050405020304" pitchFamily="18" charset="0"/>
+                <a:ea typeface="標楷體" panose="03000509000000000000" pitchFamily="65" charset="-120"/>
+                <a:cs typeface="Times New Roman" panose="02020603050405020304" pitchFamily="18" charset="0"/>
+              </a:rPr>
+              <a:t>DEMO</a:t>
+            </a:r>
+          </a:p>
+          <a:p>
+            <a:r>
+              <a:rPr lang="en-US" altLang="zh-TW" sz="3600" dirty="0" smtClean="0">
+                <a:solidFill>
+                  <a:schemeClr val="bg1"/>
+                </a:solidFill>
+                <a:latin typeface="Times New Roman" panose="02020603050405020304" pitchFamily="18" charset="0"/>
+                <a:ea typeface="標楷體" panose="03000509000000000000" pitchFamily="65" charset="-120"/>
+                <a:cs typeface="Times New Roman" panose="02020603050405020304" pitchFamily="18" charset="0"/>
+              </a:rPr>
+              <a:t>3.</a:t>
+            </a:r>
+            <a:r>
+              <a:rPr lang="zh-TW" altLang="en-US" sz="3600" dirty="0" smtClean="0">
+                <a:solidFill>
+                  <a:schemeClr val="bg1"/>
+                </a:solidFill>
+                <a:latin typeface="Times New Roman" panose="02020603050405020304" pitchFamily="18" charset="0"/>
+                <a:ea typeface="標楷體" panose="03000509000000000000" pitchFamily="65" charset="-120"/>
+                <a:cs typeface="Times New Roman" panose="02020603050405020304" pitchFamily="18" charset="0"/>
+              </a:rPr>
+              <a:t>額外功能</a:t>
+            </a:r>
+            <a:endParaRPr lang="en-US" altLang="zh-TW" sz="3600" dirty="0" smtClean="0">
+              <a:solidFill>
+                <a:schemeClr val="bg1"/>
+              </a:solidFill>
+              <a:latin typeface="Times New Roman" panose="02020603050405020304" pitchFamily="18" charset="0"/>
+              <a:ea typeface="標楷體" panose="03000509000000000000" pitchFamily="65" charset="-120"/>
+              <a:cs typeface="Times New Roman" panose="02020603050405020304" pitchFamily="18" charset="0"/>
+            </a:endParaRPr>
+          </a:p>
+          <a:p>
+            <a:endParaRPr lang="zh-TW" altLang="en-US" sz="4400" dirty="0">
+              <a:solidFill>
+                <a:schemeClr val="bg1"/>
+              </a:solidFill>
+              <a:latin typeface="標楷體" panose="03000509000000000000" pitchFamily="65" charset="-120"/>
+              <a:ea typeface="標楷體" panose="03000509000000000000" pitchFamily="65" charset="-120"/>
+            </a:endParaRPr>
+          </a:p>
+        </p:txBody>
+      </p:sp>
+    </p:spTree>
+    <p:extLst>
+      <p:ext uri="{BB962C8B-B14F-4D97-AF65-F5344CB8AC3E}">
+        <p14:creationId xmlns:p14="http://schemas.microsoft.com/office/powerpoint/2010/main" val="2463277451"/>
+      </p:ext>
+    </p:extLst>
+  </p:cSld>
+  <p:clrMapOvr>
+    <a:masterClrMapping/>
+  </p:clrMapOvr>
+  <p:timing>
+    <p:tnLst>
+      <p:par>
+        <p:cTn id="1" dur="indefinite" restart="never" nodeType="tmRoot"/>
+      </p:par>
+    </p:tnLst>
+  </p:timing>
+</p:sld>
+</file>
+
+<file path=ppt/slides/slide20.xml><?xml version="1.0" encoding="utf-8"?>
 <p:sld xmlns:a="http://schemas.openxmlformats.org/drawingml/2006/main" xmlns:r="http://schemas.openxmlformats.org/officeDocument/2006/relationships" xmlns:p="http://schemas.openxmlformats.org/presentationml/2006/main">
   <p:cSld>
     <p:spTree>
@@ -3245,7 +5388,7 @@
         <p:spPr>
           <a:xfrm>
             <a:off x="563765" y="371260"/>
-            <a:ext cx="5262979" cy="769441"/>
+            <a:ext cx="2441694" cy="769441"/>
           </a:xfrm>
           <a:prstGeom prst="rect">
             <a:avLst/>
@@ -3266,7 +5409,7 @@
                 <a:latin typeface="標楷體" panose="03000509000000000000" pitchFamily="65" charset="-120"/>
                 <a:ea typeface="標楷體" panose="03000509000000000000" pitchFamily="65" charset="-120"/>
               </a:rPr>
-              <a:t>老師要求的功能</a:t>
+              <a:t>功能</a:t>
             </a:r>
             <a:r>
               <a:rPr lang="en-US" altLang="zh-TW" sz="4400" b="1" dirty="0" smtClean="0">
@@ -3412,7 +5555,7 @@
 </p:sld>
 </file>
 
-<file path=ppt/slides/slide17.xml><?xml version="1.0" encoding="utf-8"?>
+<file path=ppt/slides/slide21.xml><?xml version="1.0" encoding="utf-8"?>
 <p:sld xmlns:a="http://schemas.openxmlformats.org/drawingml/2006/main" xmlns:r="http://schemas.openxmlformats.org/officeDocument/2006/relationships" xmlns:p="http://schemas.openxmlformats.org/presentationml/2006/main">
   <p:cSld>
     <p:spTree>
@@ -3438,7 +5581,7 @@
         <p:spPr>
           <a:xfrm>
             <a:off x="563765" y="371260"/>
-            <a:ext cx="5262979" cy="769441"/>
+            <a:ext cx="2441694" cy="769441"/>
           </a:xfrm>
           <a:prstGeom prst="rect">
             <a:avLst/>
@@ -3459,7 +5602,7 @@
                 <a:latin typeface="標楷體" panose="03000509000000000000" pitchFamily="65" charset="-120"/>
                 <a:ea typeface="標楷體" panose="03000509000000000000" pitchFamily="65" charset="-120"/>
               </a:rPr>
-              <a:t>老師要求的功能</a:t>
+              <a:t>功能</a:t>
             </a:r>
             <a:r>
               <a:rPr lang="en-US" altLang="zh-TW" sz="4400" b="1" dirty="0" smtClean="0">
@@ -3709,7 +5852,7 @@
 </p:sld>
 </file>
 
-<file path=ppt/slides/slide18.xml><?xml version="1.0" encoding="utf-8"?>
+<file path=ppt/slides/slide22.xml><?xml version="1.0" encoding="utf-8"?>
 <p:sld xmlns:a="http://schemas.openxmlformats.org/drawingml/2006/main" xmlns:r="http://schemas.openxmlformats.org/officeDocument/2006/relationships" xmlns:p="http://schemas.openxmlformats.org/presentationml/2006/main">
   <p:cSld>
     <p:spTree>
@@ -4338,7 +6481,7 @@
         <p:spPr>
           <a:xfrm>
             <a:off x="563765" y="371260"/>
-            <a:ext cx="6454011" cy="769441"/>
+            <a:ext cx="4196983" cy="769441"/>
           </a:xfrm>
           <a:prstGeom prst="rect">
             <a:avLst/>
@@ -4352,15 +6495,15 @@
           <a:lstStyle/>
           <a:p>
             <a:r>
-              <a:rPr lang="zh-TW" altLang="en-US" sz="4400" b="1" dirty="0">
-                <a:solidFill>
-                  <a:schemeClr val="bg1"/>
-                </a:solidFill>
-                <a:latin typeface="Times New Roman" panose="02020603050405020304" pitchFamily="18" charset="0"/>
-                <a:ea typeface="標楷體" panose="03000509000000000000" pitchFamily="65" charset="-120"/>
-                <a:cs typeface="Times New Roman" panose="02020603050405020304" pitchFamily="18" charset="0"/>
-              </a:rPr>
-              <a:t>新增自訂功能完成</a:t>
+              <a:rPr lang="zh-TW" altLang="en-US" sz="4400" b="1" dirty="0" smtClean="0">
+                <a:solidFill>
+                  <a:schemeClr val="bg1"/>
+                </a:solidFill>
+                <a:latin typeface="Times New Roman" panose="02020603050405020304" pitchFamily="18" charset="0"/>
+                <a:ea typeface="標楷體" panose="03000509000000000000" pitchFamily="65" charset="-120"/>
+                <a:cs typeface="Times New Roman" panose="02020603050405020304" pitchFamily="18" charset="0"/>
+              </a:rPr>
+              <a:t>額外完成</a:t>
             </a:r>
             <a:r>
               <a:rPr lang="en-US" altLang="zh-TW" sz="4400" b="1" dirty="0">
@@ -4373,48 +6516,6 @@
               </a:rPr>
               <a:t>DEMO</a:t>
             </a:r>
-          </a:p>
-        </p:txBody>
-      </p:sp>
-      <p:sp>
-        <p:nvSpPr>
-          <p:cNvPr id="4" name="文字方塊 3"/>
-          <p:cNvSpPr txBox="1"/>
-          <p:nvPr/>
-        </p:nvSpPr>
-        <p:spPr>
-          <a:xfrm>
-            <a:off x="3728622" y="3666478"/>
-            <a:ext cx="5115503" cy="1569660"/>
-          </a:xfrm>
-          <a:prstGeom prst="rect">
-            <a:avLst/>
-          </a:prstGeom>
-          <a:noFill/>
-        </p:spPr>
-        <p:txBody>
-          <a:bodyPr wrap="none" rtlCol="0">
-            <a:spAutoFit/>
-          </a:bodyPr>
-          <a:lstStyle/>
-          <a:p>
-            <a:r>
-              <a:rPr lang="zh-TW" altLang="en-US" sz="9600" b="1" dirty="0" smtClean="0">
-                <a:solidFill>
-                  <a:srgbClr val="FF0000"/>
-                </a:solidFill>
-                <a:latin typeface="標楷體" panose="03000509000000000000" pitchFamily="65" charset="-120"/>
-                <a:ea typeface="標楷體" panose="03000509000000000000" pitchFamily="65" charset="-120"/>
-              </a:rPr>
-              <a:t>全部完成</a:t>
-            </a:r>
-            <a:endParaRPr lang="zh-TW" altLang="en-US" sz="9600" b="1" dirty="0">
-              <a:solidFill>
-                <a:srgbClr val="FF0000"/>
-              </a:solidFill>
-              <a:latin typeface="標楷體" panose="03000509000000000000" pitchFamily="65" charset="-120"/>
-              <a:ea typeface="標楷體" panose="03000509000000000000" pitchFamily="65" charset="-120"/>
-            </a:endParaRPr>
           </a:p>
         </p:txBody>
       </p:sp>
@@ -4431,85 +6532,14 @@
   <p:timing>
     <p:tnLst>
       <p:par>
-        <p:cTn id="1" dur="indefinite" restart="never" nodeType="tmRoot">
-          <p:childTnLst>
-            <p:seq concurrent="1" nextAc="seek">
-              <p:cTn id="2" dur="indefinite" nodeType="mainSeq">
-                <p:childTnLst>
-                  <p:par>
-                    <p:cTn id="3" fill="hold">
-                      <p:stCondLst>
-                        <p:cond delay="indefinite"/>
-                      </p:stCondLst>
-                      <p:childTnLst>
-                        <p:par>
-                          <p:cTn id="4" fill="hold">
-                            <p:stCondLst>
-                              <p:cond delay="0"/>
-                            </p:stCondLst>
-                            <p:childTnLst>
-                              <p:par>
-                                <p:cTn id="5" presetID="1" presetClass="entr" presetSubtype="0" fill="hold" grpId="0" nodeType="clickEffect">
-                                  <p:stCondLst>
-                                    <p:cond delay="0"/>
-                                  </p:stCondLst>
-                                  <p:childTnLst>
-                                    <p:set>
-                                      <p:cBhvr>
-                                        <p:cTn id="6" dur="1" fill="hold">
-                                          <p:stCondLst>
-                                            <p:cond delay="0"/>
-                                          </p:stCondLst>
-                                        </p:cTn>
-                                        <p:tgtEl>
-                                          <p:spTgt spid="4"/>
-                                        </p:tgtEl>
-                                        <p:attrNameLst>
-                                          <p:attrName>style.visibility</p:attrName>
-                                        </p:attrNameLst>
-                                      </p:cBhvr>
-                                      <p:to>
-                                        <p:strVal val="visible"/>
-                                      </p:to>
-                                    </p:set>
-                                  </p:childTnLst>
-                                </p:cTn>
-                              </p:par>
-                            </p:childTnLst>
-                          </p:cTn>
-                        </p:par>
-                      </p:childTnLst>
-                    </p:cTn>
-                  </p:par>
-                </p:childTnLst>
-              </p:cTn>
-              <p:prevCondLst>
-                <p:cond evt="onPrev" delay="0">
-                  <p:tgtEl>
-                    <p:sldTgt/>
-                  </p:tgtEl>
-                </p:cond>
-              </p:prevCondLst>
-              <p:nextCondLst>
-                <p:cond evt="onNext" delay="0">
-                  <p:tgtEl>
-                    <p:sldTgt/>
-                  </p:tgtEl>
-                </p:cond>
-              </p:nextCondLst>
-            </p:seq>
-          </p:childTnLst>
-        </p:cTn>
+        <p:cTn id="1" dur="indefinite" restart="never" nodeType="tmRoot"/>
       </p:par>
     </p:tnLst>
-    <p:bldLst>
-      <p:bldP spid="4" grpId="0"/>
-    </p:bldLst>
   </p:timing>
 </p:sld>
 </file>
 
-<file path=ppt/slides/slide19.xml><?xml version="1.0" encoding="utf-8"?>
+<file path=ppt/slides/slide23.xml><?xml version="1.0" encoding="utf-8"?>
 <p:sld xmlns:a="http://schemas.openxmlformats.org/drawingml/2006/main" xmlns:r="http://schemas.openxmlformats.org/officeDocument/2006/relationships" xmlns:p="http://schemas.openxmlformats.org/presentationml/2006/main">
   <p:cSld>
     <p:spTree>
@@ -4854,7 +6884,7 @@
         <p:spPr>
           <a:xfrm>
             <a:off x="178756" y="327817"/>
-            <a:ext cx="6454011" cy="769441"/>
+            <a:ext cx="2441694" cy="769441"/>
           </a:xfrm>
           <a:prstGeom prst="rect">
             <a:avLst/>
@@ -4876,18 +6906,7 @@
                 <a:ea typeface="標楷體" panose="03000509000000000000" pitchFamily="65" charset="-120"/>
                 <a:cs typeface="Times New Roman" panose="02020603050405020304" pitchFamily="18" charset="0"/>
               </a:rPr>
-              <a:t>新增自訂功能完成</a:t>
-            </a:r>
-            <a:r>
-              <a:rPr lang="en-US" altLang="zh-TW" sz="4400" b="1" dirty="0">
-                <a:solidFill>
-                  <a:schemeClr val="bg1"/>
-                </a:solidFill>
-                <a:latin typeface="Times New Roman" panose="02020603050405020304" pitchFamily="18" charset="0"/>
-                <a:ea typeface="標楷體" panose="03000509000000000000" pitchFamily="65" charset="-120"/>
-                <a:cs typeface="Times New Roman" panose="02020603050405020304" pitchFamily="18" charset="0"/>
-              </a:rPr>
-              <a:t>DEMO</a:t>
+              <a:t>額外功能</a:t>
             </a:r>
           </a:p>
         </p:txBody>
@@ -4942,7 +6961,7 @@
 </p:sld>
 </file>
 
-<file path=ppt/slides/slide2.xml><?xml version="1.0" encoding="utf-8"?>
+<file path=ppt/slides/slide24.xml><?xml version="1.0" encoding="utf-8"?>
 <p:sld xmlns:a="http://schemas.openxmlformats.org/drawingml/2006/main" xmlns:r="http://schemas.openxmlformats.org/officeDocument/2006/relationships" xmlns:p="http://schemas.openxmlformats.org/presentationml/2006/main">
   <p:cSld>
     <p:spTree>
@@ -4967,199 +6986,7 @@
         </p:nvSpPr>
         <p:spPr>
           <a:xfrm>
-            <a:off x="739524" y="608191"/>
-            <a:ext cx="6732337" cy="3108543"/>
-          </a:xfrm>
-          <a:prstGeom prst="rect">
-            <a:avLst/>
-          </a:prstGeom>
-          <a:noFill/>
-        </p:spPr>
-        <p:txBody>
-          <a:bodyPr wrap="square" rtlCol="0">
-            <a:spAutoFit/>
-          </a:bodyPr>
-          <a:lstStyle/>
-          <a:p>
-            <a:r>
-              <a:rPr lang="zh-TW" altLang="en-US" sz="4400" b="1" dirty="0" smtClean="0">
-                <a:solidFill>
-                  <a:schemeClr val="bg1"/>
-                </a:solidFill>
-                <a:latin typeface="Times New Roman" panose="02020603050405020304" pitchFamily="18" charset="0"/>
-                <a:ea typeface="標楷體" panose="03000509000000000000" pitchFamily="65" charset="-120"/>
-                <a:cs typeface="Times New Roman" panose="02020603050405020304" pitchFamily="18" charset="0"/>
-              </a:rPr>
-              <a:t>目錄</a:t>
-            </a:r>
-            <a:endParaRPr lang="en-US" altLang="zh-TW" sz="4400" b="1" dirty="0" smtClean="0">
-              <a:solidFill>
-                <a:schemeClr val="bg1"/>
-              </a:solidFill>
-              <a:latin typeface="Times New Roman" panose="02020603050405020304" pitchFamily="18" charset="0"/>
-              <a:ea typeface="標楷體" panose="03000509000000000000" pitchFamily="65" charset="-120"/>
-              <a:cs typeface="Times New Roman" panose="02020603050405020304" pitchFamily="18" charset="0"/>
-            </a:endParaRPr>
-          </a:p>
-          <a:p>
-            <a:r>
-              <a:rPr lang="en-US" altLang="zh-TW" sz="3600" dirty="0" smtClean="0">
-                <a:solidFill>
-                  <a:schemeClr val="bg1"/>
-                </a:solidFill>
-                <a:latin typeface="Times New Roman" panose="02020603050405020304" pitchFamily="18" charset="0"/>
-                <a:ea typeface="標楷體" panose="03000509000000000000" pitchFamily="65" charset="-120"/>
-                <a:cs typeface="Times New Roman" panose="02020603050405020304" pitchFamily="18" charset="0"/>
-              </a:rPr>
-              <a:t>1.</a:t>
-            </a:r>
-            <a:r>
-              <a:rPr lang="zh-TW" altLang="en-US" sz="3600" dirty="0" smtClean="0">
-                <a:solidFill>
-                  <a:schemeClr val="bg1"/>
-                </a:solidFill>
-                <a:latin typeface="Times New Roman" panose="02020603050405020304" pitchFamily="18" charset="0"/>
-                <a:ea typeface="標楷體" panose="03000509000000000000" pitchFamily="65" charset="-120"/>
-                <a:cs typeface="Times New Roman" panose="02020603050405020304" pitchFamily="18" charset="0"/>
-              </a:rPr>
-              <a:t>介紹軟體</a:t>
-            </a:r>
-            <a:endParaRPr lang="en-US" altLang="zh-TW" sz="3600" dirty="0" smtClean="0">
-              <a:solidFill>
-                <a:schemeClr val="bg1"/>
-              </a:solidFill>
-              <a:latin typeface="Times New Roman" panose="02020603050405020304" pitchFamily="18" charset="0"/>
-              <a:ea typeface="標楷體" panose="03000509000000000000" pitchFamily="65" charset="-120"/>
-              <a:cs typeface="Times New Roman" panose="02020603050405020304" pitchFamily="18" charset="0"/>
-            </a:endParaRPr>
-          </a:p>
-          <a:p>
-            <a:r>
-              <a:rPr lang="en-US" altLang="zh-TW" sz="3600" dirty="0" smtClean="0">
-                <a:solidFill>
-                  <a:schemeClr val="bg1"/>
-                </a:solidFill>
-                <a:latin typeface="Times New Roman" panose="02020603050405020304" pitchFamily="18" charset="0"/>
-                <a:ea typeface="標楷體" panose="03000509000000000000" pitchFamily="65" charset="-120"/>
-                <a:cs typeface="Times New Roman" panose="02020603050405020304" pitchFamily="18" charset="0"/>
-              </a:rPr>
-              <a:t>2.</a:t>
-            </a:r>
-            <a:r>
-              <a:rPr lang="zh-TW" altLang="en-US" sz="3600" dirty="0" smtClean="0">
-                <a:solidFill>
-                  <a:schemeClr val="bg1"/>
-                </a:solidFill>
-                <a:latin typeface="Times New Roman" panose="02020603050405020304" pitchFamily="18" charset="0"/>
-                <a:ea typeface="標楷體" panose="03000509000000000000" pitchFamily="65" charset="-120"/>
-                <a:cs typeface="Times New Roman" panose="02020603050405020304" pitchFamily="18" charset="0"/>
-              </a:rPr>
-              <a:t>老師要求的功能</a:t>
-            </a:r>
-            <a:r>
-              <a:rPr lang="en-US" altLang="zh-TW" sz="3600" dirty="0" smtClean="0">
-                <a:solidFill>
-                  <a:schemeClr val="bg1"/>
-                </a:solidFill>
-                <a:latin typeface="Times New Roman" panose="02020603050405020304" pitchFamily="18" charset="0"/>
-                <a:ea typeface="標楷體" panose="03000509000000000000" pitchFamily="65" charset="-120"/>
-                <a:cs typeface="Times New Roman" panose="02020603050405020304" pitchFamily="18" charset="0"/>
-              </a:rPr>
-              <a:t>DEMO</a:t>
-            </a:r>
-          </a:p>
-          <a:p>
-            <a:r>
-              <a:rPr lang="en-US" altLang="zh-TW" sz="3600" dirty="0" smtClean="0">
-                <a:solidFill>
-                  <a:schemeClr val="bg1"/>
-                </a:solidFill>
-                <a:latin typeface="Times New Roman" panose="02020603050405020304" pitchFamily="18" charset="0"/>
-                <a:ea typeface="標楷體" panose="03000509000000000000" pitchFamily="65" charset="-120"/>
-                <a:cs typeface="Times New Roman" panose="02020603050405020304" pitchFamily="18" charset="0"/>
-              </a:rPr>
-              <a:t>3.</a:t>
-            </a:r>
-            <a:r>
-              <a:rPr lang="zh-TW" altLang="en-US" sz="3600" dirty="0" smtClean="0">
-                <a:solidFill>
-                  <a:schemeClr val="bg1"/>
-                </a:solidFill>
-                <a:latin typeface="Times New Roman" panose="02020603050405020304" pitchFamily="18" charset="0"/>
-                <a:ea typeface="標楷體" panose="03000509000000000000" pitchFamily="65" charset="-120"/>
-                <a:cs typeface="Times New Roman" panose="02020603050405020304" pitchFamily="18" charset="0"/>
-              </a:rPr>
-              <a:t>新增自訂功能完成</a:t>
-            </a:r>
-            <a:r>
-              <a:rPr lang="en-US" altLang="zh-TW" sz="3600" dirty="0" smtClean="0">
-                <a:solidFill>
-                  <a:schemeClr val="bg1"/>
-                </a:solidFill>
-                <a:latin typeface="Times New Roman" panose="02020603050405020304" pitchFamily="18" charset="0"/>
-                <a:ea typeface="標楷體" panose="03000509000000000000" pitchFamily="65" charset="-120"/>
-                <a:cs typeface="Times New Roman" panose="02020603050405020304" pitchFamily="18" charset="0"/>
-              </a:rPr>
-              <a:t>DEMO</a:t>
-            </a:r>
-          </a:p>
-          <a:p>
-            <a:endParaRPr lang="zh-TW" altLang="en-US" sz="4400" dirty="0">
-              <a:solidFill>
-                <a:schemeClr val="bg1"/>
-              </a:solidFill>
-              <a:latin typeface="標楷體" panose="03000509000000000000" pitchFamily="65" charset="-120"/>
-              <a:ea typeface="標楷體" panose="03000509000000000000" pitchFamily="65" charset="-120"/>
-            </a:endParaRPr>
-          </a:p>
-        </p:txBody>
-      </p:sp>
-    </p:spTree>
-    <p:extLst>
-      <p:ext uri="{BB962C8B-B14F-4D97-AF65-F5344CB8AC3E}">
-        <p14:creationId xmlns:p14="http://schemas.microsoft.com/office/powerpoint/2010/main" val="2463277451"/>
-      </p:ext>
-    </p:extLst>
-  </p:cSld>
-  <p:clrMapOvr>
-    <a:masterClrMapping/>
-  </p:clrMapOvr>
-  <p:timing>
-    <p:tnLst>
-      <p:par>
-        <p:cTn id="1" dur="indefinite" restart="never" nodeType="tmRoot"/>
-      </p:par>
-    </p:tnLst>
-  </p:timing>
-</p:sld>
-</file>
-
-<file path=ppt/slides/slide20.xml><?xml version="1.0" encoding="utf-8"?>
-<p:sld xmlns:a="http://schemas.openxmlformats.org/drawingml/2006/main" xmlns:r="http://schemas.openxmlformats.org/officeDocument/2006/relationships" xmlns:p="http://schemas.openxmlformats.org/presentationml/2006/main">
-  <p:cSld>
-    <p:spTree>
-      <p:nvGrpSpPr>
-        <p:cNvPr id="1" name=""/>
-        <p:cNvGrpSpPr/>
-        <p:nvPr/>
-      </p:nvGrpSpPr>
-      <p:grpSpPr>
-        <a:xfrm>
-          <a:off x="0" y="0"/>
-          <a:ext cx="0" cy="0"/>
-          <a:chOff x="0" y="0"/>
-          <a:chExt cx="0" cy="0"/>
-        </a:xfrm>
-      </p:grpSpPr>
-      <p:sp>
-        <p:nvSpPr>
-          <p:cNvPr id="2" name="文字方塊 1"/>
-          <p:cNvSpPr txBox="1"/>
-          <p:nvPr/>
-        </p:nvSpPr>
-        <p:spPr>
-          <a:xfrm>
-            <a:off x="563765" y="1432758"/>
+            <a:off x="277438" y="1432758"/>
             <a:ext cx="5940163" cy="1477328"/>
           </a:xfrm>
           <a:prstGeom prst="rect">
@@ -5456,7 +7283,7 @@
         <p:spPr>
           <a:xfrm>
             <a:off x="178756" y="327817"/>
-            <a:ext cx="6454011" cy="769441"/>
+            <a:ext cx="2441694" cy="769441"/>
           </a:xfrm>
           <a:prstGeom prst="rect">
             <a:avLst/>
@@ -5478,18 +7305,7 @@
                 <a:ea typeface="標楷體" panose="03000509000000000000" pitchFamily="65" charset="-120"/>
                 <a:cs typeface="Times New Roman" panose="02020603050405020304" pitchFamily="18" charset="0"/>
               </a:rPr>
-              <a:t>新增自訂功能完成</a:t>
-            </a:r>
-            <a:r>
-              <a:rPr lang="en-US" altLang="zh-TW" sz="4400" b="1" dirty="0">
-                <a:solidFill>
-                  <a:schemeClr val="bg1"/>
-                </a:solidFill>
-                <a:latin typeface="Times New Roman" panose="02020603050405020304" pitchFamily="18" charset="0"/>
-                <a:ea typeface="標楷體" panose="03000509000000000000" pitchFamily="65" charset="-120"/>
-                <a:cs typeface="Times New Roman" panose="02020603050405020304" pitchFamily="18" charset="0"/>
-              </a:rPr>
-              <a:t>DEMO</a:t>
+              <a:t>額外功能</a:t>
             </a:r>
           </a:p>
         </p:txBody>
@@ -5615,7 +7431,7 @@
 </p:sld>
 </file>
 
-<file path=ppt/slides/slide21.xml><?xml version="1.0" encoding="utf-8"?>
+<file path=ppt/slides/slide25.xml><?xml version="1.0" encoding="utf-8"?>
 <p:sld xmlns:a="http://schemas.openxmlformats.org/drawingml/2006/main" xmlns:r="http://schemas.openxmlformats.org/officeDocument/2006/relationships" xmlns:p="http://schemas.openxmlformats.org/presentationml/2006/main">
   <p:cSld>
     <p:spTree>
@@ -5774,7 +7590,7 @@
         <p:spPr>
           <a:xfrm>
             <a:off x="178756" y="327817"/>
-            <a:ext cx="6454011" cy="769441"/>
+            <a:ext cx="2441694" cy="769441"/>
           </a:xfrm>
           <a:prstGeom prst="rect">
             <a:avLst/>
@@ -5796,18 +7612,7 @@
                 <a:ea typeface="標楷體" panose="03000509000000000000" pitchFamily="65" charset="-120"/>
                 <a:cs typeface="Times New Roman" panose="02020603050405020304" pitchFamily="18" charset="0"/>
               </a:rPr>
-              <a:t>新增自訂功能完成</a:t>
-            </a:r>
-            <a:r>
-              <a:rPr lang="en-US" altLang="zh-TW" sz="4400" b="1" dirty="0">
-                <a:solidFill>
-                  <a:schemeClr val="bg1"/>
-                </a:solidFill>
-                <a:latin typeface="Times New Roman" panose="02020603050405020304" pitchFamily="18" charset="0"/>
-                <a:ea typeface="標楷體" panose="03000509000000000000" pitchFamily="65" charset="-120"/>
-                <a:cs typeface="Times New Roman" panose="02020603050405020304" pitchFamily="18" charset="0"/>
-              </a:rPr>
-              <a:t>DEMO</a:t>
+              <a:t>額外功能</a:t>
             </a:r>
           </a:p>
         </p:txBody>
@@ -5862,7 +7667,7 @@
 </p:sld>
 </file>
 
-<file path=ppt/slides/slide22.xml><?xml version="1.0" encoding="utf-8"?>
+<file path=ppt/slides/slide26.xml><?xml version="1.0" encoding="utf-8"?>
 <p:sld xmlns:a="http://schemas.openxmlformats.org/drawingml/2006/main" xmlns:r="http://schemas.openxmlformats.org/officeDocument/2006/relationships" xmlns:p="http://schemas.openxmlformats.org/presentationml/2006/main">
   <p:cSld>
     <p:spTree>
@@ -6086,7 +7891,7 @@
         <p:spPr>
           <a:xfrm>
             <a:off x="178756" y="327817"/>
-            <a:ext cx="6454011" cy="769441"/>
+            <a:ext cx="2441694" cy="769441"/>
           </a:xfrm>
           <a:prstGeom prst="rect">
             <a:avLst/>
@@ -6108,18 +7913,7 @@
                 <a:ea typeface="標楷體" panose="03000509000000000000" pitchFamily="65" charset="-120"/>
                 <a:cs typeface="Times New Roman" panose="02020603050405020304" pitchFamily="18" charset="0"/>
               </a:rPr>
-              <a:t>新增自訂功能完成</a:t>
-            </a:r>
-            <a:r>
-              <a:rPr lang="en-US" altLang="zh-TW" sz="4400" b="1" dirty="0">
-                <a:solidFill>
-                  <a:schemeClr val="bg1"/>
-                </a:solidFill>
-                <a:latin typeface="Times New Roman" panose="02020603050405020304" pitchFamily="18" charset="0"/>
-                <a:ea typeface="標楷體" panose="03000509000000000000" pitchFamily="65" charset="-120"/>
-                <a:cs typeface="Times New Roman" panose="02020603050405020304" pitchFamily="18" charset="0"/>
-              </a:rPr>
-              <a:t>DEMO</a:t>
+              <a:t>額外功能</a:t>
             </a:r>
           </a:p>
         </p:txBody>
@@ -6174,7 +7968,7 @@
 </p:sld>
 </file>
 
-<file path=ppt/slides/slide23.xml><?xml version="1.0" encoding="utf-8"?>
+<file path=ppt/slides/slide27.xml><?xml version="1.0" encoding="utf-8"?>
 <p:sld xmlns:a="http://schemas.openxmlformats.org/drawingml/2006/main" xmlns:r="http://schemas.openxmlformats.org/officeDocument/2006/relationships" xmlns:p="http://schemas.openxmlformats.org/presentationml/2006/main">
   <p:cSld>
     <p:spTree>
@@ -6255,7 +8049,7 @@
         <p:spPr>
           <a:xfrm>
             <a:off x="178756" y="327817"/>
-            <a:ext cx="6454011" cy="769441"/>
+            <a:ext cx="2441694" cy="769441"/>
           </a:xfrm>
           <a:prstGeom prst="rect">
             <a:avLst/>
@@ -6277,18 +8071,7 @@
                 <a:ea typeface="標楷體" panose="03000509000000000000" pitchFamily="65" charset="-120"/>
                 <a:cs typeface="Times New Roman" panose="02020603050405020304" pitchFamily="18" charset="0"/>
               </a:rPr>
-              <a:t>新增自訂功能完成</a:t>
-            </a:r>
-            <a:r>
-              <a:rPr lang="en-US" altLang="zh-TW" sz="4400" b="1" dirty="0">
-                <a:solidFill>
-                  <a:schemeClr val="bg1"/>
-                </a:solidFill>
-                <a:latin typeface="Times New Roman" panose="02020603050405020304" pitchFamily="18" charset="0"/>
-                <a:ea typeface="標楷體" panose="03000509000000000000" pitchFamily="65" charset="-120"/>
-                <a:cs typeface="Times New Roman" panose="02020603050405020304" pitchFamily="18" charset="0"/>
-              </a:rPr>
-              <a:t>DEMO</a:t>
+              <a:t>額外功能</a:t>
             </a:r>
           </a:p>
         </p:txBody>
@@ -6343,7 +8126,7 @@
 </p:sld>
 </file>
 
-<file path=ppt/slides/slide24.xml><?xml version="1.0" encoding="utf-8"?>
+<file path=ppt/slides/slide28.xml><?xml version="1.0" encoding="utf-8"?>
 <p:sld xmlns:a="http://schemas.openxmlformats.org/drawingml/2006/main" xmlns:r="http://schemas.openxmlformats.org/officeDocument/2006/relationships" xmlns:p="http://schemas.openxmlformats.org/presentationml/2006/main">
   <p:cSld>
     <p:spTree>
@@ -6435,7 +8218,7 @@
         <p:spPr>
           <a:xfrm>
             <a:off x="178756" y="327817"/>
-            <a:ext cx="6454011" cy="769441"/>
+            <a:ext cx="2441694" cy="769441"/>
           </a:xfrm>
           <a:prstGeom prst="rect">
             <a:avLst/>
@@ -6457,18 +8240,7 @@
                 <a:ea typeface="標楷體" panose="03000509000000000000" pitchFamily="65" charset="-120"/>
                 <a:cs typeface="Times New Roman" panose="02020603050405020304" pitchFamily="18" charset="0"/>
               </a:rPr>
-              <a:t>新增自訂功能完成</a:t>
-            </a:r>
-            <a:r>
-              <a:rPr lang="en-US" altLang="zh-TW" sz="4400" b="1" dirty="0">
-                <a:solidFill>
-                  <a:schemeClr val="bg1"/>
-                </a:solidFill>
-                <a:latin typeface="Times New Roman" panose="02020603050405020304" pitchFamily="18" charset="0"/>
-                <a:ea typeface="標楷體" panose="03000509000000000000" pitchFamily="65" charset="-120"/>
-                <a:cs typeface="Times New Roman" panose="02020603050405020304" pitchFamily="18" charset="0"/>
-              </a:rPr>
-              <a:t>DEMO</a:t>
+              <a:t>額外功能</a:t>
             </a:r>
           </a:p>
         </p:txBody>
@@ -6616,7 +8388,7 @@
         <p:spPr>
           <a:xfrm>
             <a:off x="563765" y="371260"/>
-            <a:ext cx="5262979" cy="769441"/>
+            <a:ext cx="2441694" cy="769441"/>
           </a:xfrm>
           <a:prstGeom prst="rect">
             <a:avLst/>
@@ -6637,7 +8409,7 @@
                 <a:latin typeface="標楷體" panose="03000509000000000000" pitchFamily="65" charset="-120"/>
                 <a:ea typeface="標楷體" panose="03000509000000000000" pitchFamily="65" charset="-120"/>
               </a:rPr>
-              <a:t>老師要求的功能</a:t>
+              <a:t>功能</a:t>
             </a:r>
             <a:r>
               <a:rPr lang="en-US" altLang="zh-TW" sz="4400" b="1" dirty="0" smtClean="0">
@@ -6983,7 +8755,7 @@
         <p:spPr>
           <a:xfrm>
             <a:off x="563765" y="371260"/>
-            <a:ext cx="5262979" cy="769441"/>
+            <a:ext cx="2441694" cy="769441"/>
           </a:xfrm>
           <a:prstGeom prst="rect">
             <a:avLst/>
@@ -7004,7 +8776,7 @@
                 <a:latin typeface="標楷體" panose="03000509000000000000" pitchFamily="65" charset="-120"/>
                 <a:ea typeface="標楷體" panose="03000509000000000000" pitchFamily="65" charset="-120"/>
               </a:rPr>
-              <a:t>老師要求的功能</a:t>
+              <a:t>功能</a:t>
             </a:r>
             <a:r>
               <a:rPr lang="en-US" altLang="zh-TW" sz="4400" b="1" dirty="0" smtClean="0">
@@ -7253,7 +9025,7 @@
         <p:spPr>
           <a:xfrm>
             <a:off x="563765" y="371260"/>
-            <a:ext cx="5262979" cy="769441"/>
+            <a:ext cx="2441694" cy="769441"/>
           </a:xfrm>
           <a:prstGeom prst="rect">
             <a:avLst/>
@@ -7274,7 +9046,7 @@
                 <a:latin typeface="標楷體" panose="03000509000000000000" pitchFamily="65" charset="-120"/>
                 <a:ea typeface="標楷體" panose="03000509000000000000" pitchFamily="65" charset="-120"/>
               </a:rPr>
-              <a:t>老師要求的功能</a:t>
+              <a:t>功能</a:t>
             </a:r>
             <a:r>
               <a:rPr lang="en-US" altLang="zh-TW" sz="4400" b="1" dirty="0" smtClean="0">
@@ -7645,7 +9417,7 @@
         <p:spPr>
           <a:xfrm>
             <a:off x="563765" y="371260"/>
-            <a:ext cx="5262979" cy="769441"/>
+            <a:ext cx="2441694" cy="769441"/>
           </a:xfrm>
           <a:prstGeom prst="rect">
             <a:avLst/>
@@ -7666,7 +9438,7 @@
                 <a:latin typeface="標楷體" panose="03000509000000000000" pitchFamily="65" charset="-120"/>
                 <a:ea typeface="標楷體" panose="03000509000000000000" pitchFamily="65" charset="-120"/>
               </a:rPr>
-              <a:t>老師要求的功能</a:t>
+              <a:t>功能</a:t>
             </a:r>
             <a:r>
               <a:rPr lang="en-US" altLang="zh-TW" sz="4400" b="1" dirty="0" smtClean="0">
@@ -7903,7 +9675,7 @@
         <p:spPr>
           <a:xfrm>
             <a:off x="563765" y="371260"/>
-            <a:ext cx="5262979" cy="769441"/>
+            <a:ext cx="2441694" cy="769441"/>
           </a:xfrm>
           <a:prstGeom prst="rect">
             <a:avLst/>
@@ -7924,7 +9696,7 @@
                 <a:latin typeface="標楷體" panose="03000509000000000000" pitchFamily="65" charset="-120"/>
                 <a:ea typeface="標楷體" panose="03000509000000000000" pitchFamily="65" charset="-120"/>
               </a:rPr>
-              <a:t>老師要求的功能</a:t>
+              <a:t>功能</a:t>
             </a:r>
             <a:r>
               <a:rPr lang="en-US" altLang="zh-TW" sz="4400" b="1" dirty="0" smtClean="0">
@@ -8020,98 +9792,8 @@
         </p:blipFill>
         <p:spPr>
           <a:xfrm>
-            <a:off x="132669" y="1472800"/>
+            <a:off x="714560" y="1592873"/>
             <a:ext cx="4137660" cy="1882140"/>
-          </a:xfrm>
-          <a:prstGeom prst="rect">
-            <a:avLst/>
-          </a:prstGeom>
-        </p:spPr>
-      </p:pic>
-      <p:pic>
-        <p:nvPicPr>
-          <p:cNvPr id="7" name="圖片 6"/>
-          <p:cNvPicPr>
-            <a:picLocks noChangeAspect="1"/>
-          </p:cNvPicPr>
-          <p:nvPr/>
-        </p:nvPicPr>
-        <p:blipFill>
-          <a:blip r:embed="rId3">
-            <a:extLst>
-              <a:ext uri="{28A0092B-C50C-407E-A947-70E740481C1C}">
-                <a14:useLocalDpi xmlns:a14="http://schemas.microsoft.com/office/drawing/2010/main" val="0"/>
-              </a:ext>
-            </a:extLst>
-          </a:blip>
-          <a:stretch>
-            <a:fillRect/>
-          </a:stretch>
-        </p:blipFill>
-        <p:spPr>
-          <a:xfrm>
-            <a:off x="1895844" y="1497862"/>
-            <a:ext cx="5448300" cy="2529840"/>
-          </a:xfrm>
-          <a:prstGeom prst="rect">
-            <a:avLst/>
-          </a:prstGeom>
-        </p:spPr>
-      </p:pic>
-      <p:pic>
-        <p:nvPicPr>
-          <p:cNvPr id="9" name="圖片 8"/>
-          <p:cNvPicPr>
-            <a:picLocks noChangeAspect="1"/>
-          </p:cNvPicPr>
-          <p:nvPr/>
-        </p:nvPicPr>
-        <p:blipFill>
-          <a:blip r:embed="rId4">
-            <a:extLst>
-              <a:ext uri="{28A0092B-C50C-407E-A947-70E740481C1C}">
-                <a14:useLocalDpi xmlns:a14="http://schemas.microsoft.com/office/drawing/2010/main" val="0"/>
-              </a:ext>
-            </a:extLst>
-          </a:blip>
-          <a:stretch>
-            <a:fillRect/>
-          </a:stretch>
-        </p:blipFill>
-        <p:spPr>
-          <a:xfrm>
-            <a:off x="1697301" y="1934465"/>
-            <a:ext cx="4998720" cy="2324100"/>
-          </a:xfrm>
-          <a:prstGeom prst="rect">
-            <a:avLst/>
-          </a:prstGeom>
-        </p:spPr>
-      </p:pic>
-      <p:pic>
-        <p:nvPicPr>
-          <p:cNvPr id="8" name="圖片 7"/>
-          <p:cNvPicPr>
-            <a:picLocks noChangeAspect="1"/>
-          </p:cNvPicPr>
-          <p:nvPr/>
-        </p:nvPicPr>
-        <p:blipFill>
-          <a:blip r:embed="rId5">
-            <a:extLst>
-              <a:ext uri="{28A0092B-C50C-407E-A947-70E740481C1C}">
-                <a14:useLocalDpi xmlns:a14="http://schemas.microsoft.com/office/drawing/2010/main" val="0"/>
-              </a:ext>
-            </a:extLst>
-          </a:blip>
-          <a:stretch>
-            <a:fillRect/>
-          </a:stretch>
-        </p:blipFill>
-        <p:spPr>
-          <a:xfrm>
-            <a:off x="428303" y="3216559"/>
-            <a:ext cx="7170420" cy="518160"/>
           </a:xfrm>
           <a:prstGeom prst="rect">
             <a:avLst/>
@@ -8280,484 +9962,6 @@
                       </p:childTnLst>
                     </p:cTn>
                   </p:par>
-                  <p:par>
-                    <p:cTn id="14" fill="hold">
-                      <p:stCondLst>
-                        <p:cond delay="indefinite"/>
-                      </p:stCondLst>
-                      <p:childTnLst>
-                        <p:par>
-                          <p:cTn id="15" fill="hold">
-                            <p:stCondLst>
-                              <p:cond delay="0"/>
-                            </p:stCondLst>
-                            <p:childTnLst>
-                              <p:par>
-                                <p:cTn id="16" presetID="6" presetClass="entr" presetSubtype="16" fill="hold" nodeType="clickEffect">
-                                  <p:stCondLst>
-                                    <p:cond delay="0"/>
-                                  </p:stCondLst>
-                                  <p:childTnLst>
-                                    <p:set>
-                                      <p:cBhvr>
-                                        <p:cTn id="17" dur="1" fill="hold">
-                                          <p:stCondLst>
-                                            <p:cond delay="0"/>
-                                          </p:stCondLst>
-                                        </p:cTn>
-                                        <p:tgtEl>
-                                          <p:spTgt spid="7"/>
-                                        </p:tgtEl>
-                                        <p:attrNameLst>
-                                          <p:attrName>style.visibility</p:attrName>
-                                        </p:attrNameLst>
-                                      </p:cBhvr>
-                                      <p:to>
-                                        <p:strVal val="visible"/>
-                                      </p:to>
-                                    </p:set>
-                                    <p:animEffect transition="in" filter="circle(in)">
-                                      <p:cBhvr>
-                                        <p:cTn id="18" dur="500"/>
-                                        <p:tgtEl>
-                                          <p:spTgt spid="7"/>
-                                        </p:tgtEl>
-                                      </p:cBhvr>
-                                    </p:animEffect>
-                                  </p:childTnLst>
-                                </p:cTn>
-                              </p:par>
-                            </p:childTnLst>
-                          </p:cTn>
-                        </p:par>
-                      </p:childTnLst>
-                    </p:cTn>
-                  </p:par>
-                  <p:par>
-                    <p:cTn id="19" fill="hold">
-                      <p:stCondLst>
-                        <p:cond delay="indefinite"/>
-                      </p:stCondLst>
-                      <p:childTnLst>
-                        <p:par>
-                          <p:cTn id="20" fill="hold">
-                            <p:stCondLst>
-                              <p:cond delay="0"/>
-                            </p:stCondLst>
-                            <p:childTnLst>
-                              <p:par>
-                                <p:cTn id="21" presetID="2" presetClass="exit" presetSubtype="4" fill="hold" nodeType="clickEffect">
-                                  <p:stCondLst>
-                                    <p:cond delay="0"/>
-                                  </p:stCondLst>
-                                  <p:childTnLst>
-                                    <p:anim calcmode="lin" valueType="num">
-                                      <p:cBhvr additive="base">
-                                        <p:cTn id="22" dur="500"/>
-                                        <p:tgtEl>
-                                          <p:spTgt spid="7"/>
-                                        </p:tgtEl>
-                                        <p:attrNameLst>
-                                          <p:attrName>ppt_x</p:attrName>
-                                        </p:attrNameLst>
-                                      </p:cBhvr>
-                                      <p:tavLst>
-                                        <p:tav tm="0">
-                                          <p:val>
-                                            <p:strVal val="ppt_x"/>
-                                          </p:val>
-                                        </p:tav>
-                                        <p:tav tm="100000">
-                                          <p:val>
-                                            <p:strVal val="ppt_x"/>
-                                          </p:val>
-                                        </p:tav>
-                                      </p:tavLst>
-                                    </p:anim>
-                                    <p:anim calcmode="lin" valueType="num">
-                                      <p:cBhvr additive="base">
-                                        <p:cTn id="23" dur="500"/>
-                                        <p:tgtEl>
-                                          <p:spTgt spid="7"/>
-                                        </p:tgtEl>
-                                        <p:attrNameLst>
-                                          <p:attrName>ppt_y</p:attrName>
-                                        </p:attrNameLst>
-                                      </p:cBhvr>
-                                      <p:tavLst>
-                                        <p:tav tm="0">
-                                          <p:val>
-                                            <p:strVal val="ppt_y"/>
-                                          </p:val>
-                                        </p:tav>
-                                        <p:tav tm="100000">
-                                          <p:val>
-                                            <p:strVal val="1+ppt_h/2"/>
-                                          </p:val>
-                                        </p:tav>
-                                      </p:tavLst>
-                                    </p:anim>
-                                    <p:set>
-                                      <p:cBhvr>
-                                        <p:cTn id="24" dur="1" fill="hold">
-                                          <p:stCondLst>
-                                            <p:cond delay="499"/>
-                                          </p:stCondLst>
-                                        </p:cTn>
-                                        <p:tgtEl>
-                                          <p:spTgt spid="7"/>
-                                        </p:tgtEl>
-                                        <p:attrNameLst>
-                                          <p:attrName>style.visibility</p:attrName>
-                                        </p:attrNameLst>
-                                      </p:cBhvr>
-                                      <p:to>
-                                        <p:strVal val="hidden"/>
-                                      </p:to>
-                                    </p:set>
-                                  </p:childTnLst>
-                                </p:cTn>
-                              </p:par>
-                            </p:childTnLst>
-                          </p:cTn>
-                        </p:par>
-                      </p:childTnLst>
-                    </p:cTn>
-                  </p:par>
-                  <p:par>
-                    <p:cTn id="25" fill="hold">
-                      <p:stCondLst>
-                        <p:cond delay="indefinite"/>
-                      </p:stCondLst>
-                      <p:childTnLst>
-                        <p:par>
-                          <p:cTn id="26" fill="hold">
-                            <p:stCondLst>
-                              <p:cond delay="0"/>
-                            </p:stCondLst>
-                            <p:childTnLst>
-                              <p:par>
-                                <p:cTn id="27" presetID="6" presetClass="entr" presetSubtype="16" fill="hold" nodeType="clickEffect">
-                                  <p:stCondLst>
-                                    <p:cond delay="0"/>
-                                  </p:stCondLst>
-                                  <p:childTnLst>
-                                    <p:set>
-                                      <p:cBhvr>
-                                        <p:cTn id="28" dur="1" fill="hold">
-                                          <p:stCondLst>
-                                            <p:cond delay="0"/>
-                                          </p:stCondLst>
-                                        </p:cTn>
-                                        <p:tgtEl>
-                                          <p:spTgt spid="9"/>
-                                        </p:tgtEl>
-                                        <p:attrNameLst>
-                                          <p:attrName>style.visibility</p:attrName>
-                                        </p:attrNameLst>
-                                      </p:cBhvr>
-                                      <p:to>
-                                        <p:strVal val="visible"/>
-                                      </p:to>
-                                    </p:set>
-                                    <p:animEffect transition="in" filter="circle(in)">
-                                      <p:cBhvr>
-                                        <p:cTn id="29" dur="500"/>
-                                        <p:tgtEl>
-                                          <p:spTgt spid="9"/>
-                                        </p:tgtEl>
-                                      </p:cBhvr>
-                                    </p:animEffect>
-                                  </p:childTnLst>
-                                </p:cTn>
-                              </p:par>
-                            </p:childTnLst>
-                          </p:cTn>
-                        </p:par>
-                      </p:childTnLst>
-                    </p:cTn>
-                  </p:par>
-                  <p:par>
-                    <p:cTn id="30" fill="hold">
-                      <p:stCondLst>
-                        <p:cond delay="indefinite"/>
-                      </p:stCondLst>
-                      <p:childTnLst>
-                        <p:par>
-                          <p:cTn id="31" fill="hold">
-                            <p:stCondLst>
-                              <p:cond delay="0"/>
-                            </p:stCondLst>
-                            <p:childTnLst>
-                              <p:par>
-                                <p:cTn id="32" presetID="2" presetClass="exit" presetSubtype="4" fill="hold" nodeType="clickEffect">
-                                  <p:stCondLst>
-                                    <p:cond delay="0"/>
-                                  </p:stCondLst>
-                                  <p:childTnLst>
-                                    <p:anim calcmode="lin" valueType="num">
-                                      <p:cBhvr additive="base">
-                                        <p:cTn id="33" dur="500"/>
-                                        <p:tgtEl>
-                                          <p:spTgt spid="9"/>
-                                        </p:tgtEl>
-                                        <p:attrNameLst>
-                                          <p:attrName>ppt_x</p:attrName>
-                                        </p:attrNameLst>
-                                      </p:cBhvr>
-                                      <p:tavLst>
-                                        <p:tav tm="0">
-                                          <p:val>
-                                            <p:strVal val="ppt_x"/>
-                                          </p:val>
-                                        </p:tav>
-                                        <p:tav tm="100000">
-                                          <p:val>
-                                            <p:strVal val="ppt_x"/>
-                                          </p:val>
-                                        </p:tav>
-                                      </p:tavLst>
-                                    </p:anim>
-                                    <p:anim calcmode="lin" valueType="num">
-                                      <p:cBhvr additive="base">
-                                        <p:cTn id="34" dur="500"/>
-                                        <p:tgtEl>
-                                          <p:spTgt spid="9"/>
-                                        </p:tgtEl>
-                                        <p:attrNameLst>
-                                          <p:attrName>ppt_y</p:attrName>
-                                        </p:attrNameLst>
-                                      </p:cBhvr>
-                                      <p:tavLst>
-                                        <p:tav tm="0">
-                                          <p:val>
-                                            <p:strVal val="ppt_y"/>
-                                          </p:val>
-                                        </p:tav>
-                                        <p:tav tm="100000">
-                                          <p:val>
-                                            <p:strVal val="1+ppt_h/2"/>
-                                          </p:val>
-                                        </p:tav>
-                                      </p:tavLst>
-                                    </p:anim>
-                                    <p:set>
-                                      <p:cBhvr>
-                                        <p:cTn id="35" dur="1" fill="hold">
-                                          <p:stCondLst>
-                                            <p:cond delay="499"/>
-                                          </p:stCondLst>
-                                        </p:cTn>
-                                        <p:tgtEl>
-                                          <p:spTgt spid="9"/>
-                                        </p:tgtEl>
-                                        <p:attrNameLst>
-                                          <p:attrName>style.visibility</p:attrName>
-                                        </p:attrNameLst>
-                                      </p:cBhvr>
-                                      <p:to>
-                                        <p:strVal val="hidden"/>
-                                      </p:to>
-                                    </p:set>
-                                  </p:childTnLst>
-                                </p:cTn>
-                              </p:par>
-                            </p:childTnLst>
-                          </p:cTn>
-                        </p:par>
-                      </p:childTnLst>
-                    </p:cTn>
-                  </p:par>
-                  <p:par>
-                    <p:cTn id="36" fill="hold">
-                      <p:stCondLst>
-                        <p:cond delay="indefinite"/>
-                      </p:stCondLst>
-                      <p:childTnLst>
-                        <p:par>
-                          <p:cTn id="37" fill="hold">
-                            <p:stCondLst>
-                              <p:cond delay="0"/>
-                            </p:stCondLst>
-                            <p:childTnLst>
-                              <p:par>
-                                <p:cTn id="38" presetID="53" presetClass="entr" presetSubtype="16" fill="hold" nodeType="clickEffect">
-                                  <p:stCondLst>
-                                    <p:cond delay="0"/>
-                                  </p:stCondLst>
-                                  <p:childTnLst>
-                                    <p:set>
-                                      <p:cBhvr>
-                                        <p:cTn id="39" dur="1" fill="hold">
-                                          <p:stCondLst>
-                                            <p:cond delay="0"/>
-                                          </p:stCondLst>
-                                        </p:cTn>
-                                        <p:tgtEl>
-                                          <p:spTgt spid="8"/>
-                                        </p:tgtEl>
-                                        <p:attrNameLst>
-                                          <p:attrName>style.visibility</p:attrName>
-                                        </p:attrNameLst>
-                                      </p:cBhvr>
-                                      <p:to>
-                                        <p:strVal val="visible"/>
-                                      </p:to>
-                                    </p:set>
-                                    <p:anim calcmode="lin" valueType="num">
-                                      <p:cBhvr>
-                                        <p:cTn id="40" dur="500" fill="hold"/>
-                                        <p:tgtEl>
-                                          <p:spTgt spid="8"/>
-                                        </p:tgtEl>
-                                        <p:attrNameLst>
-                                          <p:attrName>ppt_w</p:attrName>
-                                        </p:attrNameLst>
-                                      </p:cBhvr>
-                                      <p:tavLst>
-                                        <p:tav tm="0">
-                                          <p:val>
-                                            <p:fltVal val="0"/>
-                                          </p:val>
-                                        </p:tav>
-                                        <p:tav tm="100000">
-                                          <p:val>
-                                            <p:strVal val="#ppt_w"/>
-                                          </p:val>
-                                        </p:tav>
-                                      </p:tavLst>
-                                    </p:anim>
-                                    <p:anim calcmode="lin" valueType="num">
-                                      <p:cBhvr>
-                                        <p:cTn id="41" dur="500" fill="hold"/>
-                                        <p:tgtEl>
-                                          <p:spTgt spid="8"/>
-                                        </p:tgtEl>
-                                        <p:attrNameLst>
-                                          <p:attrName>ppt_h</p:attrName>
-                                        </p:attrNameLst>
-                                      </p:cBhvr>
-                                      <p:tavLst>
-                                        <p:tav tm="0">
-                                          <p:val>
-                                            <p:fltVal val="0"/>
-                                          </p:val>
-                                        </p:tav>
-                                        <p:tav tm="100000">
-                                          <p:val>
-                                            <p:strVal val="#ppt_h"/>
-                                          </p:val>
-                                        </p:tav>
-                                      </p:tavLst>
-                                    </p:anim>
-                                    <p:animEffect transition="in" filter="fade">
-                                      <p:cBhvr>
-                                        <p:cTn id="42" dur="500"/>
-                                        <p:tgtEl>
-                                          <p:spTgt spid="8"/>
-                                        </p:tgtEl>
-                                      </p:cBhvr>
-                                    </p:animEffect>
-                                  </p:childTnLst>
-                                </p:cTn>
-                              </p:par>
-                            </p:childTnLst>
-                          </p:cTn>
-                        </p:par>
-                      </p:childTnLst>
-                    </p:cTn>
-                  </p:par>
-                  <p:par>
-                    <p:cTn id="43" fill="hold">
-                      <p:stCondLst>
-                        <p:cond delay="indefinite"/>
-                      </p:stCondLst>
-                      <p:childTnLst>
-                        <p:par>
-                          <p:cTn id="44" fill="hold">
-                            <p:stCondLst>
-                              <p:cond delay="0"/>
-                            </p:stCondLst>
-                            <p:childTnLst>
-                              <p:par>
-                                <p:cTn id="45" presetID="2" presetClass="exit" presetSubtype="4" fill="hold" nodeType="clickEffect">
-                                  <p:stCondLst>
-                                    <p:cond delay="0"/>
-                                  </p:stCondLst>
-                                  <p:childTnLst>
-                                    <p:anim calcmode="lin" valueType="num">
-                                      <p:cBhvr additive="base">
-                                        <p:cTn id="46" dur="500"/>
-                                        <p:tgtEl>
-                                          <p:spTgt spid="8"/>
-                                        </p:tgtEl>
-                                        <p:attrNameLst>
-                                          <p:attrName>ppt_x</p:attrName>
-                                        </p:attrNameLst>
-                                      </p:cBhvr>
-                                      <p:tavLst>
-                                        <p:tav tm="0">
-                                          <p:val>
-                                            <p:strVal val="ppt_x"/>
-                                          </p:val>
-                                        </p:tav>
-                                        <p:tav tm="100000">
-                                          <p:val>
-                                            <p:strVal val="ppt_x"/>
-                                          </p:val>
-                                        </p:tav>
-                                      </p:tavLst>
-                                    </p:anim>
-                                    <p:anim calcmode="lin" valueType="num">
-                                      <p:cBhvr additive="base">
-                                        <p:cTn id="47" dur="500"/>
-                                        <p:tgtEl>
-                                          <p:spTgt spid="8"/>
-                                        </p:tgtEl>
-                                        <p:attrNameLst>
-                                          <p:attrName>ppt_y</p:attrName>
-                                        </p:attrNameLst>
-                                      </p:cBhvr>
-                                      <p:tavLst>
-                                        <p:tav tm="0">
-                                          <p:val>
-                                            <p:strVal val="ppt_y"/>
-                                          </p:val>
-                                        </p:tav>
-                                        <p:tav tm="100000">
-                                          <p:val>
-                                            <p:strVal val="1+ppt_h/2"/>
-                                          </p:val>
-                                        </p:tav>
-                                      </p:tavLst>
-                                    </p:anim>
-                                    <p:set>
-                                      <p:cBhvr>
-                                        <p:cTn id="48" dur="1" fill="hold">
-                                          <p:stCondLst>
-                                            <p:cond delay="499"/>
-                                          </p:stCondLst>
-                                        </p:cTn>
-                                        <p:tgtEl>
-                                          <p:spTgt spid="8"/>
-                                        </p:tgtEl>
-                                        <p:attrNameLst>
-                                          <p:attrName>style.visibility</p:attrName>
-                                        </p:attrNameLst>
-                                      </p:cBhvr>
-                                      <p:to>
-                                        <p:strVal val="hidden"/>
-                                      </p:to>
-                                    </p:set>
-                                  </p:childTnLst>
-                                </p:cTn>
-                              </p:par>
-                            </p:childTnLst>
-                          </p:cTn>
-                        </p:par>
-                      </p:childTnLst>
-                    </p:cTn>
-                  </p:par>
                 </p:childTnLst>
               </p:cTn>
               <p:prevCondLst>
@@ -8808,8 +10012,8 @@
         </p:nvSpPr>
         <p:spPr>
           <a:xfrm>
-            <a:off x="124286" y="376533"/>
-            <a:ext cx="9212778" cy="769441"/>
+            <a:off x="563765" y="371260"/>
+            <a:ext cx="2441694" cy="769441"/>
           </a:xfrm>
           <a:prstGeom prst="rect">
             <a:avLst/>
@@ -8830,7 +10034,7 @@
                 <a:latin typeface="標楷體" panose="03000509000000000000" pitchFamily="65" charset="-120"/>
                 <a:ea typeface="標楷體" panose="03000509000000000000" pitchFamily="65" charset="-120"/>
               </a:rPr>
-              <a:t>老師要求的功能</a:t>
+              <a:t>功能</a:t>
             </a:r>
             <a:r>
               <a:rPr lang="en-US" altLang="zh-TW" sz="4400" b="1" dirty="0" smtClean="0">
@@ -8840,27 +10044,7 @@
                 <a:latin typeface="標楷體" panose="03000509000000000000" pitchFamily="65" charset="-120"/>
                 <a:ea typeface="標楷體" panose="03000509000000000000" pitchFamily="65" charset="-120"/>
               </a:rPr>
-              <a:t>DEMO(</a:t>
-            </a:r>
-            <a:r>
-              <a:rPr lang="zh-TW" altLang="en-US" sz="4400" b="1" dirty="0" smtClean="0">
-                <a:solidFill>
-                  <a:schemeClr val="bg1"/>
-                </a:solidFill>
-                <a:latin typeface="標楷體" panose="03000509000000000000" pitchFamily="65" charset="-120"/>
-                <a:ea typeface="標楷體" panose="03000509000000000000" pitchFamily="65" charset="-120"/>
-              </a:rPr>
-              <a:t>全部顯示部分</a:t>
-            </a:r>
-            <a:r>
-              <a:rPr lang="en-US" altLang="zh-TW" sz="4400" b="1" dirty="0" smtClean="0">
-                <a:solidFill>
-                  <a:schemeClr val="bg1"/>
-                </a:solidFill>
-                <a:latin typeface="標楷體" panose="03000509000000000000" pitchFamily="65" charset="-120"/>
-                <a:ea typeface="標楷體" panose="03000509000000000000" pitchFamily="65" charset="-120"/>
-              </a:rPr>
-              <a:t>)</a:t>
+              <a:t>DEMO</a:t>
             </a:r>
             <a:endParaRPr lang="zh-TW" altLang="en-US" sz="4400" b="1" dirty="0">
               <a:latin typeface="標楷體" panose="03000509000000000000" pitchFamily="65" charset="-120"/>
@@ -8877,8 +10061,8 @@
         </p:nvSpPr>
         <p:spPr>
           <a:xfrm>
-            <a:off x="3957119" y="1340563"/>
-            <a:ext cx="5083443" cy="461665"/>
+            <a:off x="0" y="1036197"/>
+            <a:ext cx="7494359" cy="461665"/>
           </a:xfrm>
           <a:prstGeom prst="rect">
             <a:avLst/>
@@ -8892,17 +10076,6 @@
           <a:lstStyle/>
           <a:p>
             <a:r>
-              <a:rPr lang="en-US" altLang="zh-TW" sz="2400" dirty="0">
-                <a:solidFill>
-                  <a:schemeClr val="bg1"/>
-                </a:solidFill>
-                <a:latin typeface="Times New Roman" panose="02020603050405020304" pitchFamily="18" charset="0"/>
-                <a:ea typeface="標楷體" panose="03000509000000000000" pitchFamily="65" charset="-120"/>
-                <a:cs typeface="Times New Roman" panose="02020603050405020304" pitchFamily="18" charset="0"/>
-              </a:rPr>
-              <a:t>5</a:t>
-            </a:r>
-            <a:r>
               <a:rPr lang="en-US" altLang="zh-TW" sz="2400" dirty="0" smtClean="0">
                 <a:solidFill>
                   <a:schemeClr val="bg1"/>
@@ -8911,7 +10084,7 @@
                 <a:ea typeface="標楷體" panose="03000509000000000000" pitchFamily="65" charset="-120"/>
                 <a:cs typeface="Times New Roman" panose="02020603050405020304" pitchFamily="18" charset="0"/>
               </a:rPr>
-              <a:t>.</a:t>
+              <a:t>4.</a:t>
             </a:r>
             <a:r>
               <a:rPr lang="zh-TW" altLang="en-US" sz="2400" dirty="0" smtClean="0">
@@ -8922,29 +10095,7 @@
                 <a:ea typeface="標楷體" panose="03000509000000000000" pitchFamily="65" charset="-120"/>
                 <a:cs typeface="Times New Roman" panose="02020603050405020304" pitchFamily="18" charset="0"/>
               </a:rPr>
-              <a:t>選擇</a:t>
-            </a:r>
-            <a:r>
-              <a:rPr lang="en-US" altLang="zh-TW" sz="2400" dirty="0" smtClean="0">
-                <a:solidFill>
-                  <a:schemeClr val="bg1"/>
-                </a:solidFill>
-                <a:latin typeface="Times New Roman" panose="02020603050405020304" pitchFamily="18" charset="0"/>
-                <a:ea typeface="標楷體" panose="03000509000000000000" pitchFamily="65" charset="-120"/>
-                <a:cs typeface="Times New Roman" panose="02020603050405020304" pitchFamily="18" charset="0"/>
-              </a:rPr>
-              <a:t>(1)</a:t>
-            </a:r>
-            <a:r>
-              <a:rPr lang="zh-TW" altLang="en-US" sz="2400" dirty="0" smtClean="0">
-                <a:solidFill>
-                  <a:schemeClr val="bg1"/>
-                </a:solidFill>
-                <a:latin typeface="Times New Roman" panose="02020603050405020304" pitchFamily="18" charset="0"/>
-                <a:ea typeface="標楷體" panose="03000509000000000000" pitchFamily="65" charset="-120"/>
-                <a:cs typeface="Times New Roman" panose="02020603050405020304" pitchFamily="18" charset="0"/>
-              </a:rPr>
-              <a:t>全部顯示可以顯示全部資料</a:t>
+              <a:t>資料檢查，新增資料、更新資料、存入資料都會檢查</a:t>
             </a:r>
             <a:endParaRPr lang="en-US" altLang="zh-TW" sz="2400" dirty="0" smtClean="0">
               <a:solidFill>
@@ -8959,7 +10110,7 @@
       </p:sp>
       <p:pic>
         <p:nvPicPr>
-          <p:cNvPr id="5" name="圖片 4"/>
+          <p:cNvPr id="7" name="圖片 6"/>
           <p:cNvPicPr>
             <a:picLocks noChangeAspect="1"/>
           </p:cNvPicPr>
@@ -8979,263 +10130,18 @@
         </p:blipFill>
         <p:spPr>
           <a:xfrm>
-            <a:off x="61876" y="0"/>
-            <a:ext cx="3451345" cy="4847008"/>
+            <a:off x="948561" y="1595896"/>
+            <a:ext cx="5448300" cy="2529840"/>
           </a:xfrm>
           <a:prstGeom prst="rect">
             <a:avLst/>
           </a:prstGeom>
         </p:spPr>
       </p:pic>
-      <p:pic>
-        <p:nvPicPr>
-          <p:cNvPr id="9" name="圖片 8"/>
-          <p:cNvPicPr>
-            <a:picLocks noChangeAspect="1"/>
-          </p:cNvPicPr>
-          <p:nvPr/>
-        </p:nvPicPr>
-        <p:blipFill>
-          <a:blip r:embed="rId3">
-            <a:extLst>
-              <a:ext uri="{28A0092B-C50C-407E-A947-70E740481C1C}">
-                <a14:useLocalDpi xmlns:a14="http://schemas.microsoft.com/office/drawing/2010/main" val="0"/>
-              </a:ext>
-            </a:extLst>
-          </a:blip>
-          <a:stretch>
-            <a:fillRect/>
-          </a:stretch>
-        </p:blipFill>
-        <p:spPr>
-          <a:xfrm>
-            <a:off x="0" y="1729740"/>
-            <a:ext cx="5006340" cy="1684020"/>
-          </a:xfrm>
-          <a:prstGeom prst="rect">
-            <a:avLst/>
-          </a:prstGeom>
-        </p:spPr>
-      </p:pic>
-      <p:pic>
-        <p:nvPicPr>
-          <p:cNvPr id="6" name="圖片 5"/>
-          <p:cNvPicPr>
-            <a:picLocks noChangeAspect="1"/>
-          </p:cNvPicPr>
-          <p:nvPr/>
-        </p:nvPicPr>
-        <p:blipFill>
-          <a:blip r:embed="rId4">
-            <a:extLst>
-              <a:ext uri="{28A0092B-C50C-407E-A947-70E740481C1C}">
-                <a14:useLocalDpi xmlns:a14="http://schemas.microsoft.com/office/drawing/2010/main" val="0"/>
-              </a:ext>
-            </a:extLst>
-          </a:blip>
-          <a:stretch>
-            <a:fillRect/>
-          </a:stretch>
-        </p:blipFill>
-        <p:spPr>
-          <a:xfrm>
-            <a:off x="-55896" y="2002090"/>
-            <a:ext cx="5882640" cy="2103120"/>
-          </a:xfrm>
-          <a:prstGeom prst="rect">
-            <a:avLst/>
-          </a:prstGeom>
-        </p:spPr>
-      </p:pic>
-      <p:sp>
-        <p:nvSpPr>
-          <p:cNvPr id="10" name="文字方塊 9"/>
-          <p:cNvSpPr txBox="1"/>
-          <p:nvPr/>
-        </p:nvSpPr>
-        <p:spPr>
-          <a:xfrm>
-            <a:off x="4365007" y="3965077"/>
-            <a:ext cx="4493538" cy="830997"/>
-          </a:xfrm>
-          <a:prstGeom prst="rect">
-            <a:avLst/>
-          </a:prstGeom>
-          <a:noFill/>
-        </p:spPr>
-        <p:txBody>
-          <a:bodyPr wrap="none" rtlCol="0">
-            <a:spAutoFit/>
-          </a:bodyPr>
-          <a:lstStyle/>
-          <a:p>
-            <a:r>
-              <a:rPr lang="en-US" altLang="zh-TW" sz="2400" dirty="0" smtClean="0">
-                <a:solidFill>
-                  <a:schemeClr val="bg1"/>
-                </a:solidFill>
-                <a:latin typeface="Times New Roman" panose="02020603050405020304" pitchFamily="18" charset="0"/>
-                <a:ea typeface="標楷體" panose="03000509000000000000" pitchFamily="65" charset="-120"/>
-                <a:cs typeface="Times New Roman" panose="02020603050405020304" pitchFamily="18" charset="0"/>
-              </a:rPr>
-              <a:t>6.</a:t>
-            </a:r>
-            <a:r>
-              <a:rPr lang="zh-TW" altLang="en-US" sz="2400" dirty="0" smtClean="0">
-                <a:solidFill>
-                  <a:schemeClr val="bg1"/>
-                </a:solidFill>
-                <a:latin typeface="Times New Roman" panose="02020603050405020304" pitchFamily="18" charset="0"/>
-                <a:ea typeface="標楷體" panose="03000509000000000000" pitchFamily="65" charset="-120"/>
-                <a:cs typeface="Times New Roman" panose="02020603050405020304" pitchFamily="18" charset="0"/>
-              </a:rPr>
-              <a:t>可以依照任意條件進行排序，</a:t>
-            </a:r>
-            <a:endParaRPr lang="en-US" altLang="zh-TW" sz="2400" dirty="0" smtClean="0">
-              <a:solidFill>
-                <a:schemeClr val="bg1"/>
-              </a:solidFill>
-              <a:latin typeface="Times New Roman" panose="02020603050405020304" pitchFamily="18" charset="0"/>
-              <a:ea typeface="標楷體" panose="03000509000000000000" pitchFamily="65" charset="-120"/>
-              <a:cs typeface="Times New Roman" panose="02020603050405020304" pitchFamily="18" charset="0"/>
-            </a:endParaRPr>
-          </a:p>
-          <a:p>
-            <a:r>
-              <a:rPr lang="zh-TW" altLang="en-US" sz="2400" dirty="0" smtClean="0">
-                <a:solidFill>
-                  <a:schemeClr val="bg1"/>
-                </a:solidFill>
-                <a:latin typeface="Times New Roman" panose="02020603050405020304" pitchFamily="18" charset="0"/>
-                <a:ea typeface="標楷體" panose="03000509000000000000" pitchFamily="65" charset="-120"/>
-                <a:cs typeface="Times New Roman" panose="02020603050405020304" pitchFamily="18" charset="0"/>
-              </a:rPr>
-              <a:t>預設是由小到大，管理者可以</a:t>
-            </a:r>
-            <a:r>
-              <a:rPr lang="zh-TW" altLang="en-US" sz="2400" dirty="0">
-                <a:solidFill>
-                  <a:schemeClr val="bg1"/>
-                </a:solidFill>
-                <a:latin typeface="Times New Roman" panose="02020603050405020304" pitchFamily="18" charset="0"/>
-                <a:ea typeface="標楷體" panose="03000509000000000000" pitchFamily="65" charset="-120"/>
-                <a:cs typeface="Times New Roman" panose="02020603050405020304" pitchFamily="18" charset="0"/>
-              </a:rPr>
-              <a:t>調</a:t>
-            </a:r>
-            <a:endParaRPr lang="en-US" altLang="zh-TW" sz="2400" dirty="0" smtClean="0">
-              <a:solidFill>
-                <a:schemeClr val="bg1"/>
-              </a:solidFill>
-              <a:latin typeface="Times New Roman" panose="02020603050405020304" pitchFamily="18" charset="0"/>
-              <a:ea typeface="標楷體" panose="03000509000000000000" pitchFamily="65" charset="-120"/>
-              <a:cs typeface="Times New Roman" panose="02020603050405020304" pitchFamily="18" charset="0"/>
-            </a:endParaRPr>
-          </a:p>
-        </p:txBody>
-      </p:sp>
-      <p:sp>
-        <p:nvSpPr>
-          <p:cNvPr id="12" name="文字方塊 11"/>
-          <p:cNvSpPr txBox="1"/>
-          <p:nvPr/>
-        </p:nvSpPr>
-        <p:spPr>
-          <a:xfrm>
-            <a:off x="6573304" y="2566451"/>
-            <a:ext cx="2262158" cy="830997"/>
-          </a:xfrm>
-          <a:prstGeom prst="rect">
-            <a:avLst/>
-          </a:prstGeom>
-          <a:noFill/>
-        </p:spPr>
-        <p:txBody>
-          <a:bodyPr wrap="none" rtlCol="0">
-            <a:spAutoFit/>
-          </a:bodyPr>
-          <a:lstStyle/>
-          <a:p>
-            <a:r>
-              <a:rPr lang="en-US" altLang="zh-TW" sz="2400" dirty="0" smtClean="0">
-                <a:solidFill>
-                  <a:schemeClr val="bg1"/>
-                </a:solidFill>
-                <a:latin typeface="Times New Roman" panose="02020603050405020304" pitchFamily="18" charset="0"/>
-                <a:ea typeface="標楷體" panose="03000509000000000000" pitchFamily="65" charset="-120"/>
-                <a:cs typeface="Times New Roman" panose="02020603050405020304" pitchFamily="18" charset="0"/>
-              </a:rPr>
-              <a:t>7.</a:t>
-            </a:r>
-            <a:r>
-              <a:rPr lang="zh-TW" altLang="en-US" sz="2400" dirty="0" smtClean="0">
-                <a:solidFill>
-                  <a:schemeClr val="bg1"/>
-                </a:solidFill>
-                <a:latin typeface="Times New Roman" panose="02020603050405020304" pitchFamily="18" charset="0"/>
-                <a:ea typeface="標楷體" panose="03000509000000000000" pitchFamily="65" charset="-120"/>
-                <a:cs typeface="Times New Roman" panose="02020603050405020304" pitchFamily="18" charset="0"/>
-              </a:rPr>
-              <a:t>分頁數顯示，</a:t>
-            </a:r>
-            <a:endParaRPr lang="en-US" altLang="zh-TW" sz="2400" dirty="0" smtClean="0">
-              <a:solidFill>
-                <a:schemeClr val="bg1"/>
-              </a:solidFill>
-              <a:latin typeface="Times New Roman" panose="02020603050405020304" pitchFamily="18" charset="0"/>
-              <a:ea typeface="標楷體" panose="03000509000000000000" pitchFamily="65" charset="-120"/>
-              <a:cs typeface="Times New Roman" panose="02020603050405020304" pitchFamily="18" charset="0"/>
-            </a:endParaRPr>
-          </a:p>
-          <a:p>
-            <a:r>
-              <a:rPr lang="zh-TW" altLang="en-US" sz="2400" dirty="0" smtClean="0">
-                <a:solidFill>
-                  <a:schemeClr val="bg1"/>
-                </a:solidFill>
-                <a:latin typeface="Times New Roman" panose="02020603050405020304" pitchFamily="18" charset="0"/>
-                <a:ea typeface="標楷體" panose="03000509000000000000" pitchFamily="65" charset="-120"/>
-                <a:cs typeface="Times New Roman" panose="02020603050405020304" pitchFamily="18" charset="0"/>
-              </a:rPr>
-              <a:t>使用</a:t>
-            </a:r>
-            <a:r>
-              <a:rPr lang="en-US" altLang="zh-TW" sz="2400" dirty="0" smtClean="0">
-                <a:solidFill>
-                  <a:schemeClr val="bg1"/>
-                </a:solidFill>
-                <a:latin typeface="Times New Roman" panose="02020603050405020304" pitchFamily="18" charset="0"/>
-                <a:ea typeface="標楷體" panose="03000509000000000000" pitchFamily="65" charset="-120"/>
-                <a:cs typeface="Times New Roman" panose="02020603050405020304" pitchFamily="18" charset="0"/>
-              </a:rPr>
-              <a:t>try</a:t>
-            </a:r>
-            <a:r>
-              <a:rPr lang="zh-TW" altLang="en-US" sz="2400" dirty="0">
-                <a:solidFill>
-                  <a:schemeClr val="bg1"/>
-                </a:solidFill>
-                <a:latin typeface="Times New Roman" panose="02020603050405020304" pitchFamily="18" charset="0"/>
-                <a:ea typeface="標楷體" panose="03000509000000000000" pitchFamily="65" charset="-120"/>
-                <a:cs typeface="Times New Roman" panose="02020603050405020304" pitchFamily="18" charset="0"/>
-              </a:rPr>
-              <a:t>技巧</a:t>
-            </a:r>
-            <a:endParaRPr lang="en-US" altLang="zh-TW" sz="2400" dirty="0" smtClean="0">
-              <a:solidFill>
-                <a:schemeClr val="bg1"/>
-              </a:solidFill>
-              <a:latin typeface="Times New Roman" panose="02020603050405020304" pitchFamily="18" charset="0"/>
-              <a:ea typeface="標楷體" panose="03000509000000000000" pitchFamily="65" charset="-120"/>
-              <a:cs typeface="Times New Roman" panose="02020603050405020304" pitchFamily="18" charset="0"/>
-            </a:endParaRPr>
-          </a:p>
-        </p:txBody>
-      </p:sp>
     </p:spTree>
     <p:extLst>
       <p:ext uri="{BB962C8B-B14F-4D97-AF65-F5344CB8AC3E}">
-        <p14:creationId xmlns:p14="http://schemas.microsoft.com/office/powerpoint/2010/main" val="2540999012"/>
+        <p14:creationId xmlns:p14="http://schemas.microsoft.com/office/powerpoint/2010/main" val="553416669"/>
       </p:ext>
     </p:extLst>
   </p:cSld>
@@ -9263,7 +10169,7 @@
                             </p:stCondLst>
                             <p:childTnLst>
                               <p:par>
-                                <p:cTn id="5" presetID="1" presetClass="entr" presetSubtype="0" fill="hold" nodeType="clickEffect">
+                                <p:cTn id="5" presetID="6" presetClass="entr" presetSubtype="16" fill="hold" nodeType="clickEffect">
                                   <p:stCondLst>
                                     <p:cond delay="0"/>
                                   </p:stCondLst>
@@ -9276,7 +10182,7 @@
                                           </p:stCondLst>
                                         </p:cTn>
                                         <p:tgtEl>
-                                          <p:spTgt spid="5"/>
+                                          <p:spTgt spid="7"/>
                                         </p:tgtEl>
                                         <p:attrNameLst>
                                           <p:attrName>style.visibility</p:attrName>
@@ -9286,60 +10192,14 @@
                                         <p:strVal val="visible"/>
                                       </p:to>
                                     </p:set>
-                                  </p:childTnLst>
-                                </p:cTn>
-                              </p:par>
-                              <p:par>
-                                <p:cTn id="7" presetID="1" presetClass="entr" presetSubtype="0" fill="hold" grpId="0" nodeType="withEffect">
-                                  <p:stCondLst>
-                                    <p:cond delay="0"/>
-                                  </p:stCondLst>
-                                  <p:childTnLst>
-                                    <p:set>
+                                    <p:animEffect transition="in" filter="circle(in)">
                                       <p:cBhvr>
-                                        <p:cTn id="8" dur="1" fill="hold">
-                                          <p:stCondLst>
-                                            <p:cond delay="0"/>
-                                          </p:stCondLst>
-                                        </p:cTn>
+                                        <p:cTn id="7" dur="500"/>
                                         <p:tgtEl>
-                                          <p:spTgt spid="4"/>
+                                          <p:spTgt spid="7"/>
                                         </p:tgtEl>
-                                        <p:attrNameLst>
-                                          <p:attrName>style.visibility</p:attrName>
-                                        </p:attrNameLst>
                                       </p:cBhvr>
-                                      <p:to>
-                                        <p:strVal val="visible"/>
-                                      </p:to>
-                                    </p:set>
-                                  </p:childTnLst>
-                                </p:cTn>
-                              </p:par>
-                              <p:par>
-                                <p:cTn id="9" presetID="1" presetClass="exit" presetSubtype="0" fill="hold" grpId="0" nodeType="withEffect">
-                                  <p:stCondLst>
-                                    <p:cond delay="0"/>
-                                  </p:stCondLst>
-                                  <p:childTnLst>
-                                    <p:set>
-                                      <p:cBhvr>
-                                        <p:cTn id="10" dur="1" fill="hold">
-                                          <p:stCondLst>
-                                            <p:cond delay="0"/>
-                                          </p:stCondLst>
-                                        </p:cTn>
-                                        <p:tgtEl>
-                                          <p:spTgt spid="2"/>
-                                        </p:tgtEl>
-                                        <p:attrNameLst>
-                                          <p:attrName>style.visibility</p:attrName>
-                                        </p:attrNameLst>
-                                      </p:cBhvr>
-                                      <p:to>
-                                        <p:strVal val="hidden"/>
-                                      </p:to>
-                                    </p:set>
+                                    </p:animEffect>
                                   </p:childTnLst>
                                 </p:cTn>
                               </p:par>
@@ -9350,32 +10210,78 @@
                     </p:cTn>
                   </p:par>
                   <p:par>
-                    <p:cTn id="11" fill="hold">
+                    <p:cTn id="8" fill="hold">
                       <p:stCondLst>
                         <p:cond delay="indefinite"/>
                       </p:stCondLst>
                       <p:childTnLst>
                         <p:par>
-                          <p:cTn id="12" fill="hold">
+                          <p:cTn id="9" fill="hold">
                             <p:stCondLst>
                               <p:cond delay="0"/>
                             </p:stCondLst>
                             <p:childTnLst>
                               <p:par>
-                                <p:cTn id="13" presetID="1" presetClass="exit" presetSubtype="0" fill="hold" nodeType="clickEffect">
+                                <p:cTn id="10" presetID="2" presetClass="exit" presetSubtype="4" fill="hold" nodeType="clickEffect">
                                   <p:stCondLst>
                                     <p:cond delay="0"/>
                                   </p:stCondLst>
                                   <p:childTnLst>
+                                    <p:anim calcmode="lin" valueType="num">
+                                      <p:cBhvr additive="base">
+                                        <p:cTn id="11" dur="500"/>
+                                        <p:tgtEl>
+                                          <p:spTgt spid="7"/>
+                                        </p:tgtEl>
+                                        <p:attrNameLst>
+                                          <p:attrName>ppt_x</p:attrName>
+                                        </p:attrNameLst>
+                                      </p:cBhvr>
+                                      <p:tavLst>
+                                        <p:tav tm="0">
+                                          <p:val>
+                                            <p:strVal val="ppt_x"/>
+                                          </p:val>
+                                        </p:tav>
+                                        <p:tav tm="100000">
+                                          <p:val>
+                                            <p:strVal val="ppt_x"/>
+                                          </p:val>
+                                        </p:tav>
+                                      </p:tavLst>
+                                    </p:anim>
+                                    <p:anim calcmode="lin" valueType="num">
+                                      <p:cBhvr additive="base">
+                                        <p:cTn id="12" dur="500"/>
+                                        <p:tgtEl>
+                                          <p:spTgt spid="7"/>
+                                        </p:tgtEl>
+                                        <p:attrNameLst>
+                                          <p:attrName>ppt_y</p:attrName>
+                                        </p:attrNameLst>
+                                      </p:cBhvr>
+                                      <p:tavLst>
+                                        <p:tav tm="0">
+                                          <p:val>
+                                            <p:strVal val="ppt_y"/>
+                                          </p:val>
+                                        </p:tav>
+                                        <p:tav tm="100000">
+                                          <p:val>
+                                            <p:strVal val="1+ppt_h/2"/>
+                                          </p:val>
+                                        </p:tav>
+                                      </p:tavLst>
+                                    </p:anim>
                                     <p:set>
                                       <p:cBhvr>
-                                        <p:cTn id="14" dur="1" fill="hold">
+                                        <p:cTn id="13" dur="1" fill="hold">
                                           <p:stCondLst>
-                                            <p:cond delay="0"/>
+                                            <p:cond delay="499"/>
                                           </p:stCondLst>
                                         </p:cTn>
                                         <p:tgtEl>
-                                          <p:spTgt spid="5"/>
+                                          <p:spTgt spid="7"/>
                                         </p:tgtEl>
                                         <p:attrNameLst>
                                           <p:attrName>style.visibility</p:attrName>
@@ -9383,276 +10289,6 @@
                                       </p:cBhvr>
                                       <p:to>
                                         <p:strVal val="hidden"/>
-                                      </p:to>
-                                    </p:set>
-                                  </p:childTnLst>
-                                </p:cTn>
-                              </p:par>
-                              <p:par>
-                                <p:cTn id="15" presetID="1" presetClass="exit" presetSubtype="0" fill="hold" grpId="1" nodeType="withEffect">
-                                  <p:stCondLst>
-                                    <p:cond delay="0"/>
-                                  </p:stCondLst>
-                                  <p:childTnLst>
-                                    <p:set>
-                                      <p:cBhvr>
-                                        <p:cTn id="16" dur="1" fill="hold">
-                                          <p:stCondLst>
-                                            <p:cond delay="0"/>
-                                          </p:stCondLst>
-                                        </p:cTn>
-                                        <p:tgtEl>
-                                          <p:spTgt spid="4"/>
-                                        </p:tgtEl>
-                                        <p:attrNameLst>
-                                          <p:attrName>style.visibility</p:attrName>
-                                        </p:attrNameLst>
-                                      </p:cBhvr>
-                                      <p:to>
-                                        <p:strVal val="hidden"/>
-                                      </p:to>
-                                    </p:set>
-                                  </p:childTnLst>
-                                </p:cTn>
-                              </p:par>
-                            </p:childTnLst>
-                          </p:cTn>
-                        </p:par>
-                      </p:childTnLst>
-                    </p:cTn>
-                  </p:par>
-                  <p:par>
-                    <p:cTn id="17" fill="hold">
-                      <p:stCondLst>
-                        <p:cond delay="indefinite"/>
-                      </p:stCondLst>
-                      <p:childTnLst>
-                        <p:par>
-                          <p:cTn id="18" fill="hold">
-                            <p:stCondLst>
-                              <p:cond delay="0"/>
-                            </p:stCondLst>
-                            <p:childTnLst>
-                              <p:par>
-                                <p:cTn id="19" presetID="1" presetClass="entr" presetSubtype="0" fill="hold" grpId="1" nodeType="clickEffect">
-                                  <p:stCondLst>
-                                    <p:cond delay="0"/>
-                                  </p:stCondLst>
-                                  <p:childTnLst>
-                                    <p:set>
-                                      <p:cBhvr>
-                                        <p:cTn id="20" dur="1" fill="hold">
-                                          <p:stCondLst>
-                                            <p:cond delay="0"/>
-                                          </p:stCondLst>
-                                        </p:cTn>
-                                        <p:tgtEl>
-                                          <p:spTgt spid="2"/>
-                                        </p:tgtEl>
-                                        <p:attrNameLst>
-                                          <p:attrName>style.visibility</p:attrName>
-                                        </p:attrNameLst>
-                                      </p:cBhvr>
-                                      <p:to>
-                                        <p:strVal val="visible"/>
-                                      </p:to>
-                                    </p:set>
-                                  </p:childTnLst>
-                                </p:cTn>
-                              </p:par>
-                              <p:par>
-                                <p:cTn id="21" presetID="1" presetClass="entr" presetSubtype="0" fill="hold" nodeType="withEffect">
-                                  <p:stCondLst>
-                                    <p:cond delay="0"/>
-                                  </p:stCondLst>
-                                  <p:childTnLst>
-                                    <p:set>
-                                      <p:cBhvr>
-                                        <p:cTn id="22" dur="1" fill="hold">
-                                          <p:stCondLst>
-                                            <p:cond delay="0"/>
-                                          </p:stCondLst>
-                                        </p:cTn>
-                                        <p:tgtEl>
-                                          <p:spTgt spid="9"/>
-                                        </p:tgtEl>
-                                        <p:attrNameLst>
-                                          <p:attrName>style.visibility</p:attrName>
-                                        </p:attrNameLst>
-                                      </p:cBhvr>
-                                      <p:to>
-                                        <p:strVal val="visible"/>
-                                      </p:to>
-                                    </p:set>
-                                  </p:childTnLst>
-                                </p:cTn>
-                              </p:par>
-                              <p:par>
-                                <p:cTn id="23" presetID="1" presetClass="entr" presetSubtype="0" fill="hold" grpId="0" nodeType="withEffect">
-                                  <p:stCondLst>
-                                    <p:cond delay="0"/>
-                                  </p:stCondLst>
-                                  <p:childTnLst>
-                                    <p:set>
-                                      <p:cBhvr>
-                                        <p:cTn id="24" dur="1" fill="hold">
-                                          <p:stCondLst>
-                                            <p:cond delay="0"/>
-                                          </p:stCondLst>
-                                        </p:cTn>
-                                        <p:tgtEl>
-                                          <p:spTgt spid="10"/>
-                                        </p:tgtEl>
-                                        <p:attrNameLst>
-                                          <p:attrName>style.visibility</p:attrName>
-                                        </p:attrNameLst>
-                                      </p:cBhvr>
-                                      <p:to>
-                                        <p:strVal val="visible"/>
-                                      </p:to>
-                                    </p:set>
-                                  </p:childTnLst>
-                                </p:cTn>
-                              </p:par>
-                            </p:childTnLst>
-                          </p:cTn>
-                        </p:par>
-                      </p:childTnLst>
-                    </p:cTn>
-                  </p:par>
-                  <p:par>
-                    <p:cTn id="25" fill="hold">
-                      <p:stCondLst>
-                        <p:cond delay="indefinite"/>
-                      </p:stCondLst>
-                      <p:childTnLst>
-                        <p:par>
-                          <p:cTn id="26" fill="hold">
-                            <p:stCondLst>
-                              <p:cond delay="0"/>
-                            </p:stCondLst>
-                            <p:childTnLst>
-                              <p:par>
-                                <p:cTn id="27" presetID="1" presetClass="exit" presetSubtype="0" fill="hold" nodeType="clickEffect">
-                                  <p:stCondLst>
-                                    <p:cond delay="0"/>
-                                  </p:stCondLst>
-                                  <p:childTnLst>
-                                    <p:set>
-                                      <p:cBhvr>
-                                        <p:cTn id="28" dur="1" fill="hold">
-                                          <p:stCondLst>
-                                            <p:cond delay="0"/>
-                                          </p:stCondLst>
-                                        </p:cTn>
-                                        <p:tgtEl>
-                                          <p:spTgt spid="9"/>
-                                        </p:tgtEl>
-                                        <p:attrNameLst>
-                                          <p:attrName>style.visibility</p:attrName>
-                                        </p:attrNameLst>
-                                      </p:cBhvr>
-                                      <p:to>
-                                        <p:strVal val="hidden"/>
-                                      </p:to>
-                                    </p:set>
-                                  </p:childTnLst>
-                                </p:cTn>
-                              </p:par>
-                              <p:par>
-                                <p:cTn id="29" presetID="1" presetClass="exit" presetSubtype="0" fill="hold" grpId="1" nodeType="withEffect">
-                                  <p:stCondLst>
-                                    <p:cond delay="0"/>
-                                  </p:stCondLst>
-                                  <p:childTnLst>
-                                    <p:set>
-                                      <p:cBhvr>
-                                        <p:cTn id="30" dur="1" fill="hold">
-                                          <p:stCondLst>
-                                            <p:cond delay="0"/>
-                                          </p:stCondLst>
-                                        </p:cTn>
-                                        <p:tgtEl>
-                                          <p:spTgt spid="10"/>
-                                        </p:tgtEl>
-                                        <p:attrNameLst>
-                                          <p:attrName>style.visibility</p:attrName>
-                                        </p:attrNameLst>
-                                      </p:cBhvr>
-                                      <p:to>
-                                        <p:strVal val="hidden"/>
-                                      </p:to>
-                                    </p:set>
-                                  </p:childTnLst>
-                                </p:cTn>
-                              </p:par>
-                            </p:childTnLst>
-                          </p:cTn>
-                        </p:par>
-                      </p:childTnLst>
-                    </p:cTn>
-                  </p:par>
-                  <p:par>
-                    <p:cTn id="31" fill="hold">
-                      <p:stCondLst>
-                        <p:cond delay="indefinite"/>
-                      </p:stCondLst>
-                      <p:childTnLst>
-                        <p:par>
-                          <p:cTn id="32" fill="hold">
-                            <p:stCondLst>
-                              <p:cond delay="0"/>
-                            </p:stCondLst>
-                            <p:childTnLst>
-                              <p:par>
-                                <p:cTn id="33" presetID="1" presetClass="entr" presetSubtype="0" fill="hold" nodeType="clickEffect">
-                                  <p:stCondLst>
-                                    <p:cond delay="0"/>
-                                  </p:stCondLst>
-                                  <p:childTnLst>
-                                    <p:set>
-                                      <p:cBhvr>
-                                        <p:cTn id="34" dur="1" fill="hold">
-                                          <p:stCondLst>
-                                            <p:cond delay="0"/>
-                                          </p:stCondLst>
-                                        </p:cTn>
-                                        <p:tgtEl>
-                                          <p:spTgt spid="6"/>
-                                        </p:tgtEl>
-                                        <p:attrNameLst>
-                                          <p:attrName>style.visibility</p:attrName>
-                                        </p:attrNameLst>
-                                      </p:cBhvr>
-                                      <p:to>
-                                        <p:strVal val="visible"/>
-                                      </p:to>
-                                    </p:set>
-                                  </p:childTnLst>
-                                </p:cTn>
-                              </p:par>
-                              <p:par>
-                                <p:cTn id="35" presetID="1" presetClass="entr" presetSubtype="0" fill="hold" grpId="0" nodeType="withEffect">
-                                  <p:stCondLst>
-                                    <p:cond delay="0"/>
-                                  </p:stCondLst>
-                                  <p:childTnLst>
-                                    <p:set>
-                                      <p:cBhvr>
-                                        <p:cTn id="36" dur="1" fill="hold">
-                                          <p:stCondLst>
-                                            <p:cond delay="0"/>
-                                          </p:stCondLst>
-                                        </p:cTn>
-                                        <p:tgtEl>
-                                          <p:spTgt spid="12"/>
-                                        </p:tgtEl>
-                                        <p:attrNameLst>
-                                          <p:attrName>style.visibility</p:attrName>
-                                        </p:attrNameLst>
-                                      </p:cBhvr>
-                                      <p:to>
-                                        <p:strVal val="visible"/>
                                       </p:to>
                                     </p:set>
                                   </p:childTnLst>
@@ -9685,15 +10321,6 @@
         </p:cTn>
       </p:par>
     </p:tnLst>
-    <p:bldLst>
-      <p:bldP spid="2" grpId="0"/>
-      <p:bldP spid="2" grpId="1"/>
-      <p:bldP spid="4" grpId="0"/>
-      <p:bldP spid="4" grpId="1"/>
-      <p:bldP spid="10" grpId="0"/>
-      <p:bldP spid="10" grpId="1"/>
-      <p:bldP spid="12" grpId="0"/>
-    </p:bldLst>
   </p:timing>
 </p:sld>
 </file>
@@ -10600,21 +11227,21 @@
 </file>
 
 <file path=customXml/item1.xml><?xml version="1.0" encoding="utf-8"?>
+<p:properties xmlns:p="http://schemas.microsoft.com/office/2006/metadata/properties" xmlns:xsi="http://www.w3.org/2001/XMLSchema-instance" xmlns:pc="http://schemas.microsoft.com/office/infopath/2007/PartnerControls">
+  <documentManagement>
+    <_Version xmlns="http://schemas.microsoft.com/sharepoint/v3/fields" xsi:nil="true"/>
+    <_Status xmlns="http://schemas.microsoft.com/sharepoint/v3/fields">Not Started</_Status>
+  </documentManagement>
+</p:properties>
+</file>
+
+<file path=customXml/item2.xml><?xml version="1.0" encoding="utf-8"?>
 <?mso-contentType ?>
 <FormTemplates xmlns="http://schemas.microsoft.com/sharepoint/v3/contenttype/forms">
   <Display>DocumentLibraryForm</Display>
   <Edit>DocumentLibraryForm</Edit>
   <New>DocumentLibraryForm</New>
 </FormTemplates>
-</file>
-
-<file path=customXml/item2.xml><?xml version="1.0" encoding="utf-8"?>
-<p:properties xmlns:p="http://schemas.microsoft.com/office/2006/metadata/properties" xmlns:xsi="http://www.w3.org/2001/XMLSchema-instance" xmlns:pc="http://schemas.microsoft.com/office/infopath/2007/PartnerControls">
-  <documentManagement>
-    <_Version xmlns="http://schemas.microsoft.com/sharepoint/v3/fields" xsi:nil="true"/>
-    <_Status xmlns="http://schemas.microsoft.com/sharepoint/v3/fields">Not Started</_Status>
-  </documentManagement>
-</p:properties>
 </file>
 
 <file path=customXml/item3.xml><?xml version="1.0" encoding="utf-8"?>
@@ -10762,14 +11389,6 @@
 </file>
 
 <file path=customXml/itemProps1.xml><?xml version="1.0" encoding="utf-8"?>
-<ds:datastoreItem xmlns:ds="http://schemas.openxmlformats.org/officeDocument/2006/customXml" ds:itemID="{87D2A1B0-FF3E-4009-940D-AED0EB70AA20}">
-  <ds:schemaRefs>
-    <ds:schemaRef ds:uri="http://schemas.microsoft.com/sharepoint/v3/contenttype/forms"/>
-  </ds:schemaRefs>
-</ds:datastoreItem>
-</file>
-
-<file path=customXml/itemProps2.xml><?xml version="1.0" encoding="utf-8"?>
 <ds:datastoreItem xmlns:ds="http://schemas.openxmlformats.org/officeDocument/2006/customXml" ds:itemID="{7B6F2769-7194-4217-93D3-3AF3A4742282}">
   <ds:schemaRefs>
     <ds:schemaRef ds:uri="http://www.w3.org/XML/1998/namespace"/>
@@ -10781,6 +11400,14 @@
     <ds:schemaRef ds:uri="http://schemas.microsoft.com/office/infopath/2007/PartnerControls"/>
     <ds:schemaRef ds:uri="http://schemas.microsoft.com/sharepoint/v3/fields"/>
     <ds:schemaRef ds:uri="http://schemas.microsoft.com/office/2006/metadata/properties"/>
+  </ds:schemaRefs>
+</ds:datastoreItem>
+</file>
+
+<file path=customXml/itemProps2.xml><?xml version="1.0" encoding="utf-8"?>
+<ds:datastoreItem xmlns:ds="http://schemas.openxmlformats.org/officeDocument/2006/customXml" ds:itemID="{87D2A1B0-FF3E-4009-940D-AED0EB70AA20}">
+  <ds:schemaRefs>
+    <ds:schemaRef ds:uri="http://schemas.microsoft.com/sharepoint/v3/contenttype/forms"/>
   </ds:schemaRefs>
 </ds:datastoreItem>
 </file>
